--- a/Soutenance/modele-ENIB-2010.pptx
+++ b/Soutenance/modele-ENIB-2010.pptx
@@ -2526,7 +2526,7 @@
           <a:bodyPr/>
           <a:lstStyle/>
           <a:p>
-            <a:endParaRPr lang="fr-FR"/>
+            <a:endParaRPr lang="fr-FR" dirty="0"/>
           </a:p>
         </p:txBody>
       </p:sp>
@@ -2617,7 +2617,7 @@
           <a:p>
             <a:r>
               <a:rPr lang="fr-FR" dirty="0" smtClean="0"/>
-              <a:t>Analyse du projet</a:t>
+              <a:t>Contexte Technologique</a:t>
             </a:r>
             <a:endParaRPr lang="fr-FR" dirty="0"/>
           </a:p>
@@ -2638,7 +2638,64 @@
           <a:bodyPr/>
           <a:lstStyle/>
           <a:p>
-            <a:endParaRPr lang="fr-FR"/>
+            <a:r>
+              <a:rPr lang="fr-FR" dirty="0" smtClean="0"/>
+              <a:t>Compétences mises en œuvres :</a:t>
+            </a:r>
+          </a:p>
+          <a:p>
+            <a:pPr lvl="1"/>
+            <a:r>
+              <a:rPr lang="fr-FR" dirty="0" smtClean="0"/>
+              <a:t>C#, .Net</a:t>
+            </a:r>
+          </a:p>
+          <a:p>
+            <a:pPr lvl="1"/>
+            <a:r>
+              <a:rPr lang="fr-FR" dirty="0" err="1" smtClean="0"/>
+              <a:t>Unity</a:t>
+            </a:r>
+            <a:endParaRPr lang="fr-FR" dirty="0" smtClean="0"/>
+          </a:p>
+          <a:p>
+            <a:pPr lvl="1"/>
+            <a:r>
+              <a:rPr lang="fr-FR" dirty="0" err="1" smtClean="0"/>
+              <a:t>Blender</a:t>
+            </a:r>
+            <a:endParaRPr lang="fr-FR" dirty="0" smtClean="0"/>
+          </a:p>
+          <a:p>
+            <a:pPr lvl="1"/>
+            <a:r>
+              <a:rPr lang="fr-FR" dirty="0" smtClean="0"/>
+              <a:t>SDK Surface 2.0</a:t>
+            </a:r>
+          </a:p>
+          <a:p>
+            <a:pPr lvl="1"/>
+            <a:endParaRPr lang="fr-FR" dirty="0" smtClean="0"/>
+          </a:p>
+          <a:p>
+            <a:r>
+              <a:rPr lang="fr-FR" dirty="0" smtClean="0"/>
+              <a:t>Matériel utilisé :</a:t>
+            </a:r>
+          </a:p>
+          <a:p>
+            <a:pPr lvl="1"/>
+            <a:r>
+              <a:rPr lang="fr-FR" dirty="0" smtClean="0"/>
+              <a:t>Table Samsung SUR-40</a:t>
+            </a:r>
+          </a:p>
+          <a:p>
+            <a:pPr lvl="1"/>
+            <a:r>
+              <a:rPr lang="fr-FR" dirty="0" smtClean="0"/>
+              <a:t>Imprimante Form1</a:t>
+            </a:r>
           </a:p>
         </p:txBody>
       </p:sp>

--- a/Soutenance/modele-ENIB-2010.pptx
+++ b/Soutenance/modele-ENIB-2010.pptx
@@ -5,17 +5,21 @@
     <p:sldMasterId id="2147483648" r:id="rId1"/>
   </p:sldMasterIdLst>
   <p:notesMasterIdLst>
-    <p:notesMasterId r:id="rId7"/>
+    <p:notesMasterId r:id="rId11"/>
   </p:notesMasterIdLst>
   <p:handoutMasterIdLst>
-    <p:handoutMasterId r:id="rId8"/>
+    <p:handoutMasterId r:id="rId12"/>
   </p:handoutMasterIdLst>
   <p:sldIdLst>
     <p:sldId id="256" r:id="rId2"/>
     <p:sldId id="259" r:id="rId3"/>
-    <p:sldId id="260" r:id="rId4"/>
-    <p:sldId id="261" r:id="rId5"/>
-    <p:sldId id="262" r:id="rId6"/>
+    <p:sldId id="263" r:id="rId4"/>
+    <p:sldId id="266" r:id="rId5"/>
+    <p:sldId id="260" r:id="rId6"/>
+    <p:sldId id="261" r:id="rId7"/>
+    <p:sldId id="264" r:id="rId8"/>
+    <p:sldId id="265" r:id="rId9"/>
+    <p:sldId id="262" r:id="rId10"/>
   </p:sldIdLst>
   <p:sldSz cx="9144000" cy="6858000" type="screen4x3"/>
   <p:notesSz cx="6858000" cy="9144000"/>
@@ -200,7 +204,7 @@
             <a:fld id="{5ECB992F-91B5-4022-AF93-95881C5AB9E1}" type="datetimeFigureOut">
               <a:rPr lang="fr-FR" smtClean="0"/>
               <a:pPr/>
-              <a:t>03/12/2014</a:t>
+              <a:t>05/12/2014</a:t>
             </a:fld>
             <a:endParaRPr lang="fr-FR"/>
           </a:p>
@@ -362,7 +366,7 @@
             <a:fld id="{45614D67-FB5A-41CD-AA44-96A5D3AA3B19}" type="datetimeFigureOut">
               <a:rPr lang="fr-FR" smtClean="0"/>
               <a:pPr/>
-              <a:t>03/12/2014</a:t>
+              <a:t>05/12/2014</a:t>
             </a:fld>
             <a:endParaRPr lang="fr-FR"/>
           </a:p>
@@ -2352,21 +2356,8 @@
           <a:p>
             <a:r>
               <a:rPr lang="fr-FR" dirty="0" smtClean="0"/>
-              <a:t>Etablir un </a:t>
-            </a:r>
-            <a:r>
-              <a:rPr lang="fr-FR" dirty="0" smtClean="0"/>
-              <a:t>tutoriel permettant l'utilisation "facile et rapide" </a:t>
-            </a:r>
-            <a:r>
-              <a:rPr lang="fr-FR" dirty="0" smtClean="0"/>
-              <a:t>de l'imprimante </a:t>
-            </a:r>
-            <a:r>
-              <a:rPr lang="fr-FR" dirty="0" smtClean="0"/>
-              <a:t>3D Form1 </a:t>
-            </a:r>
-            <a:endParaRPr lang="fr-FR" dirty="0" smtClean="0"/>
+              <a:t>Etablir un tutoriel permettant l'utilisation "facile et rapide" de l'imprimante 3D Form1 </a:t>
+            </a:r>
           </a:p>
           <a:p>
             <a:endParaRPr lang="fr-FR" dirty="0" smtClean="0"/>
@@ -2388,11 +2379,7 @@
           <a:p>
             <a:r>
               <a:rPr lang="fr-FR" dirty="0" smtClean="0"/>
-              <a:t>Mettre à jour </a:t>
-            </a:r>
-            <a:r>
-              <a:rPr lang="fr-FR" dirty="0" smtClean="0"/>
-              <a:t>un </a:t>
+              <a:t>Mettre à jour un </a:t>
             </a:r>
             <a:r>
               <a:rPr lang="fr-FR" dirty="0" err="1" smtClean="0"/>
@@ -2400,11 +2387,7 @@
             </a:r>
             <a:r>
               <a:rPr lang="fr-FR" dirty="0" smtClean="0"/>
-              <a:t> </a:t>
-            </a:r>
-            <a:r>
-              <a:rPr lang="fr-FR" dirty="0" smtClean="0"/>
-              <a:t>sur </a:t>
+              <a:t> sur </a:t>
             </a:r>
             <a:r>
               <a:rPr lang="fr-FR" dirty="0" err="1" smtClean="0"/>
@@ -2491,6 +2474,13 @@
   <p:clrMapOvr>
     <a:masterClrMapping/>
   </p:clrMapOvr>
+  <p:timing>
+    <p:tnLst>
+      <p:par>
+        <p:cTn id="1" dur="indefinite" restart="never" nodeType="tmRoot"/>
+      </p:par>
+    </p:tnLst>
+  </p:timing>
 </p:sld>
 </file>
 
@@ -2511,25 +2501,29 @@
           <a:chExt cx="0" cy="0"/>
         </a:xfrm>
       </p:grpSpPr>
-      <p:sp>
-        <p:nvSpPr>
-          <p:cNvPr id="2" name="Espace réservé du contenu 1"/>
-          <p:cNvSpPr>
-            <a:spLocks noGrp="1"/>
-          </p:cNvSpPr>
+      <p:pic>
+        <p:nvPicPr>
+          <p:cNvPr id="8" name="Espace réservé du contenu 7" descr="form1_zbrush_qualite.jpg"/>
+          <p:cNvPicPr>
+            <a:picLocks noGrp="1" noChangeAspect="1"/>
+          </p:cNvPicPr>
           <p:nvPr>
             <p:ph idx="1"/>
           </p:nvPr>
-        </p:nvSpPr>
-        <p:spPr/>
-        <p:txBody>
-          <a:bodyPr/>
-          <a:lstStyle/>
-          <a:p>
-            <a:endParaRPr lang="fr-FR" dirty="0"/>
-          </a:p>
-        </p:txBody>
-      </p:sp>
+        </p:nvPicPr>
+        <p:blipFill>
+          <a:blip r:embed="rId2"/>
+          <a:stretch>
+            <a:fillRect/>
+          </a:stretch>
+        </p:blipFill>
+        <p:spPr>
+          <a:xfrm>
+            <a:off x="3786182" y="2500306"/>
+            <a:ext cx="4871249" cy="3187961"/>
+          </a:xfrm>
+        </p:spPr>
+      </p:pic>
       <p:sp>
         <p:nvSpPr>
           <p:cNvPr id="3" name="Espace réservé de la date 2"/>
@@ -2610,6 +2604,34 @@
             <p:ph type="title"/>
           </p:nvPr>
         </p:nvSpPr>
+        <p:spPr>
+          <a:xfrm>
+            <a:off x="2498512" y="620688"/>
+            <a:ext cx="6645488" cy="720080"/>
+          </a:xfrm>
+        </p:spPr>
+        <p:txBody>
+          <a:bodyPr/>
+          <a:lstStyle/>
+          <a:p>
+            <a:r>
+              <a:rPr lang="fr-FR" dirty="0" smtClean="0"/>
+              <a:t>Compétences sur les domaines abordés</a:t>
+            </a:r>
+            <a:endParaRPr lang="fr-FR" dirty="0"/>
+          </a:p>
+        </p:txBody>
+      </p:sp>
+      <p:sp>
+        <p:nvSpPr>
+          <p:cNvPr id="7" name="Espace réservé du texte 6"/>
+          <p:cNvSpPr>
+            <a:spLocks noGrp="1"/>
+          </p:cNvSpPr>
+          <p:nvPr>
+            <p:ph type="body" sz="quarter" idx="14"/>
+          </p:nvPr>
+        </p:nvSpPr>
         <p:spPr/>
         <p:txBody>
           <a:bodyPr/>
@@ -2617,85 +2639,27 @@
           <a:p>
             <a:r>
               <a:rPr lang="fr-FR" dirty="0" smtClean="0"/>
-              <a:t>Contexte Technologique</a:t>
-            </a:r>
-            <a:endParaRPr lang="fr-FR" dirty="0"/>
-          </a:p>
-        </p:txBody>
-      </p:sp>
-      <p:sp>
-        <p:nvSpPr>
-          <p:cNvPr id="7" name="Espace réservé du texte 6"/>
-          <p:cNvSpPr>
-            <a:spLocks noGrp="1"/>
-          </p:cNvSpPr>
-          <p:nvPr>
-            <p:ph type="body" sz="quarter" idx="14"/>
-          </p:nvPr>
-        </p:nvSpPr>
-        <p:spPr/>
-        <p:txBody>
-          <a:bodyPr/>
-          <a:lstStyle/>
-          <a:p>
-            <a:r>
-              <a:rPr lang="fr-FR" dirty="0" smtClean="0"/>
-              <a:t>Compétences mises en œuvres :</a:t>
-            </a:r>
-          </a:p>
-          <a:p>
-            <a:pPr lvl="1"/>
-            <a:r>
-              <a:rPr lang="fr-FR" dirty="0" smtClean="0"/>
-              <a:t>C#, .Net</a:t>
-            </a:r>
-          </a:p>
-          <a:p>
-            <a:pPr lvl="1"/>
-            <a:r>
-              <a:rPr lang="fr-FR" dirty="0" err="1" smtClean="0"/>
-              <a:t>Unity</a:t>
-            </a:r>
+              <a:t>Réalité virtuelle</a:t>
+            </a:r>
+          </a:p>
+          <a:p>
             <a:endParaRPr lang="fr-FR" dirty="0" smtClean="0"/>
           </a:p>
           <a:p>
-            <a:pPr lvl="1"/>
-            <a:r>
-              <a:rPr lang="fr-FR" dirty="0" err="1" smtClean="0"/>
-              <a:t>Blender</a:t>
-            </a:r>
+            <a:r>
+              <a:rPr lang="fr-FR" dirty="0" smtClean="0"/>
+              <a:t>Modélisation 3D</a:t>
+            </a:r>
+          </a:p>
+          <a:p>
             <a:endParaRPr lang="fr-FR" dirty="0" smtClean="0"/>
           </a:p>
           <a:p>
-            <a:pPr lvl="1"/>
-            <a:r>
-              <a:rPr lang="fr-FR" dirty="0" smtClean="0"/>
-              <a:t>SDK Surface 2.0</a:t>
-            </a:r>
-          </a:p>
-          <a:p>
-            <a:pPr lvl="1"/>
-            <a:endParaRPr lang="fr-FR" dirty="0" smtClean="0"/>
-          </a:p>
-          <a:p>
-            <a:r>
-              <a:rPr lang="fr-FR" dirty="0" smtClean="0"/>
-              <a:t>Matériel utilisé :</a:t>
-            </a:r>
-          </a:p>
-          <a:p>
-            <a:pPr lvl="1"/>
-            <a:r>
-              <a:rPr lang="fr-FR" dirty="0" smtClean="0"/>
-              <a:t>Table Samsung SUR-40</a:t>
-            </a:r>
-          </a:p>
-          <a:p>
-            <a:pPr lvl="1"/>
-            <a:r>
-              <a:rPr lang="fr-FR" dirty="0" smtClean="0"/>
-              <a:t>Imprimante Form1</a:t>
-            </a:r>
+            <a:r>
+              <a:rPr lang="fr-FR" dirty="0" smtClean="0"/>
+              <a:t>Programmation Objet</a:t>
+            </a:r>
+            <a:endParaRPr lang="fr-FR" dirty="0"/>
           </a:p>
         </p:txBody>
       </p:sp>
@@ -2704,6 +2668,13 @@
   <p:clrMapOvr>
     <a:masterClrMapping/>
   </p:clrMapOvr>
+  <p:timing>
+    <p:tnLst>
+      <p:par>
+        <p:cTn id="1" dur="indefinite" restart="never" nodeType="tmRoot"/>
+      </p:par>
+    </p:tnLst>
+  </p:timing>
 </p:sld>
 </file>
 
@@ -2726,25 +2697,6 @@
       </p:grpSpPr>
       <p:sp>
         <p:nvSpPr>
-          <p:cNvPr id="2" name="Espace réservé du contenu 1"/>
-          <p:cNvSpPr>
-            <a:spLocks noGrp="1"/>
-          </p:cNvSpPr>
-          <p:nvPr>
-            <p:ph idx="1"/>
-          </p:nvPr>
-        </p:nvSpPr>
-        <p:spPr/>
-        <p:txBody>
-          <a:bodyPr/>
-          <a:lstStyle/>
-          <a:p>
-            <a:endParaRPr lang="fr-FR"/>
-          </a:p>
-        </p:txBody>
-      </p:sp>
-      <p:sp>
-        <p:nvSpPr>
           <p:cNvPr id="3" name="Espace réservé de la date 2"/>
           <p:cNvSpPr>
             <a:spLocks noGrp="1"/>
@@ -2823,6 +2775,34 @@
             <p:ph type="title"/>
           </p:nvPr>
         </p:nvSpPr>
+        <p:spPr>
+          <a:xfrm>
+            <a:off x="2498512" y="620688"/>
+            <a:ext cx="6645488" cy="720080"/>
+          </a:xfrm>
+        </p:spPr>
+        <p:txBody>
+          <a:bodyPr/>
+          <a:lstStyle/>
+          <a:p>
+            <a:r>
+              <a:rPr lang="fr-FR" dirty="0" smtClean="0"/>
+              <a:t>Description des User Stories</a:t>
+            </a:r>
+            <a:endParaRPr lang="fr-FR" dirty="0"/>
+          </a:p>
+        </p:txBody>
+      </p:sp>
+      <p:sp>
+        <p:nvSpPr>
+          <p:cNvPr id="7" name="Espace réservé du texte 6"/>
+          <p:cNvSpPr>
+            <a:spLocks noGrp="1"/>
+          </p:cNvSpPr>
+          <p:nvPr>
+            <p:ph type="body" sz="quarter" idx="14"/>
+          </p:nvPr>
+        </p:nvSpPr>
         <p:spPr/>
         <p:txBody>
           <a:bodyPr/>
@@ -2830,40 +2810,88 @@
           <a:p>
             <a:r>
               <a:rPr lang="fr-FR" dirty="0" smtClean="0"/>
-              <a:t>Pratiques </a:t>
-            </a:r>
-            <a:r>
-              <a:rPr lang="fr-FR" dirty="0" err="1" smtClean="0"/>
-              <a:t>Scrum</a:t>
-            </a:r>
-            <a:endParaRPr lang="fr-FR" dirty="0"/>
-          </a:p>
-        </p:txBody>
-      </p:sp>
-      <p:sp>
-        <p:nvSpPr>
-          <p:cNvPr id="7" name="Espace réservé du texte 6"/>
-          <p:cNvSpPr>
-            <a:spLocks noGrp="1"/>
-          </p:cNvSpPr>
-          <p:nvPr>
-            <p:ph type="body" sz="quarter" idx="14"/>
-          </p:nvPr>
-        </p:nvSpPr>
-        <p:spPr/>
-        <p:txBody>
-          <a:bodyPr/>
-          <a:lstStyle/>
-          <a:p>
-            <a:endParaRPr lang="fr-FR"/>
-          </a:p>
-        </p:txBody>
-      </p:sp>
+              <a:t>Sprint 0 : Découverte matériel</a:t>
+            </a:r>
+          </a:p>
+          <a:p>
+            <a:endParaRPr lang="fr-FR" dirty="0" smtClean="0"/>
+          </a:p>
+          <a:p>
+            <a:r>
+              <a:rPr lang="fr-FR" dirty="0" smtClean="0"/>
+              <a:t>Sprint 1 : Tutoriels </a:t>
+            </a:r>
+          </a:p>
+          <a:p>
+            <a:endParaRPr lang="fr-FR" dirty="0" smtClean="0"/>
+          </a:p>
+          <a:p>
+            <a:r>
+              <a:rPr lang="fr-FR" dirty="0" smtClean="0"/>
+              <a:t>Sprint 2 : Application « 42 cartes »</a:t>
+            </a:r>
+          </a:p>
+          <a:p>
+            <a:endParaRPr lang="fr-FR" dirty="0" smtClean="0"/>
+          </a:p>
+          <a:p>
+            <a:r>
+              <a:rPr lang="fr-FR" dirty="0" smtClean="0"/>
+              <a:t>Sprint 3 : Démonstrateur final</a:t>
+            </a:r>
+            <a:endParaRPr lang="fr-FR" dirty="0"/>
+          </a:p>
+        </p:txBody>
+      </p:sp>
+      <p:pic>
+        <p:nvPicPr>
+          <p:cNvPr id="10" name="Espace réservé du contenu 9" descr="product backlog.jpg"/>
+          <p:cNvPicPr>
+            <a:picLocks noGrp="1" noChangeAspect="1"/>
+          </p:cNvPicPr>
+          <p:nvPr>
+            <p:ph idx="1"/>
+          </p:nvPr>
+        </p:nvPicPr>
+        <p:blipFill>
+          <a:blip r:embed="rId2"/>
+          <a:srcRect r="21487"/>
+          <a:stretch>
+            <a:fillRect/>
+          </a:stretch>
+        </p:blipFill>
+        <p:spPr>
+          <a:xfrm>
+            <a:off x="3714744" y="1428736"/>
+            <a:ext cx="5108000" cy="4786346"/>
+          </a:xfrm>
+          <a:prstGeom prst="rect">
+            <a:avLst/>
+          </a:prstGeom>
+          <a:ln>
+            <a:noFill/>
+          </a:ln>
+          <a:effectLst>
+            <a:outerShdw blurRad="292100" dist="139700" dir="2700000" algn="tl" rotWithShape="0">
+              <a:srgbClr val="333333">
+                <a:alpha val="65000"/>
+              </a:srgbClr>
+            </a:outerShdw>
+          </a:effectLst>
+        </p:spPr>
+      </p:pic>
     </p:spTree>
   </p:cSld>
   <p:clrMapOvr>
     <a:masterClrMapping/>
   </p:clrMapOvr>
+  <p:timing>
+    <p:tnLst>
+      <p:par>
+        <p:cTn id="1" dur="indefinite" restart="never" nodeType="tmRoot"/>
+      </p:par>
+    </p:tnLst>
+  </p:timing>
 </p:sld>
 </file>
 
@@ -2884,25 +2912,29 @@
           <a:chExt cx="0" cy="0"/>
         </a:xfrm>
       </p:grpSpPr>
-      <p:sp>
-        <p:nvSpPr>
-          <p:cNvPr id="2" name="Espace réservé du contenu 1"/>
-          <p:cNvSpPr>
-            <a:spLocks noGrp="1"/>
-          </p:cNvSpPr>
+      <p:pic>
+        <p:nvPicPr>
+          <p:cNvPr id="8" name="Espace réservé du contenu 7" descr="BlenderDesktopLogo.png"/>
+          <p:cNvPicPr>
+            <a:picLocks noGrp="1" noChangeAspect="1"/>
+          </p:cNvPicPr>
           <p:nvPr>
             <p:ph idx="1"/>
           </p:nvPr>
-        </p:nvSpPr>
-        <p:spPr/>
-        <p:txBody>
-          <a:bodyPr/>
-          <a:lstStyle/>
-          <a:p>
-            <a:endParaRPr lang="fr-FR"/>
-          </a:p>
-        </p:txBody>
-      </p:sp>
+        </p:nvPicPr>
+        <p:blipFill>
+          <a:blip r:embed="rId2" cstate="print"/>
+          <a:stretch>
+            <a:fillRect/>
+          </a:stretch>
+        </p:blipFill>
+        <p:spPr>
+          <a:xfrm>
+            <a:off x="6500826" y="4214818"/>
+            <a:ext cx="2096025" cy="1857388"/>
+          </a:xfrm>
+        </p:spPr>
+      </p:pic>
       <p:sp>
         <p:nvSpPr>
           <p:cNvPr id="3" name="Espace réservé de la date 2"/>
@@ -2990,7 +3022,7 @@
           <a:p>
             <a:r>
               <a:rPr lang="fr-FR" dirty="0" smtClean="0"/>
-              <a:t>Conclusion</a:t>
+              <a:t>Contexte Technologique</a:t>
             </a:r>
             <a:endParaRPr lang="fr-FR" dirty="0"/>
           </a:p>
@@ -3011,15 +3043,1190 @@
           <a:bodyPr/>
           <a:lstStyle/>
           <a:p>
-            <a:endParaRPr lang="fr-FR"/>
-          </a:p>
-        </p:txBody>
-      </p:sp>
+            <a:r>
+              <a:rPr lang="fr-FR" dirty="0" smtClean="0"/>
+              <a:t>Compétences mises en œuvres :</a:t>
+            </a:r>
+          </a:p>
+          <a:p>
+            <a:pPr lvl="1"/>
+            <a:r>
+              <a:rPr lang="fr-FR" dirty="0" smtClean="0"/>
+              <a:t>C#, .Net</a:t>
+            </a:r>
+          </a:p>
+          <a:p>
+            <a:pPr lvl="1"/>
+            <a:r>
+              <a:rPr lang="fr-FR" dirty="0" err="1" smtClean="0"/>
+              <a:t>Unity</a:t>
+            </a:r>
+            <a:endParaRPr lang="fr-FR" dirty="0" smtClean="0"/>
+          </a:p>
+          <a:p>
+            <a:pPr lvl="1"/>
+            <a:r>
+              <a:rPr lang="fr-FR" dirty="0" err="1" smtClean="0"/>
+              <a:t>Blender</a:t>
+            </a:r>
+            <a:endParaRPr lang="fr-FR" dirty="0" smtClean="0"/>
+          </a:p>
+          <a:p>
+            <a:pPr lvl="1"/>
+            <a:r>
+              <a:rPr lang="fr-FR" dirty="0" smtClean="0"/>
+              <a:t>SDK Surface 2.0</a:t>
+            </a:r>
+          </a:p>
+          <a:p>
+            <a:pPr lvl="1"/>
+            <a:endParaRPr lang="fr-FR" dirty="0" smtClean="0"/>
+          </a:p>
+          <a:p>
+            <a:r>
+              <a:rPr lang="fr-FR" dirty="0" smtClean="0"/>
+              <a:t>Matériel utilisé :</a:t>
+            </a:r>
+          </a:p>
+          <a:p>
+            <a:pPr lvl="1"/>
+            <a:r>
+              <a:rPr lang="fr-FR" dirty="0" smtClean="0"/>
+              <a:t>Table Samsung SUR-40</a:t>
+            </a:r>
+          </a:p>
+          <a:p>
+            <a:pPr lvl="1"/>
+            <a:r>
+              <a:rPr lang="fr-FR" dirty="0" smtClean="0"/>
+              <a:t>Imprimante Form1</a:t>
+            </a:r>
+          </a:p>
+        </p:txBody>
+      </p:sp>
+      <p:pic>
+        <p:nvPicPr>
+          <p:cNvPr id="9" name="Image 8" descr="c-sharp.png"/>
+          <p:cNvPicPr>
+            <a:picLocks noChangeAspect="1"/>
+          </p:cNvPicPr>
+          <p:nvPr/>
+        </p:nvPicPr>
+        <p:blipFill>
+          <a:blip r:embed="rId3"/>
+          <a:stretch>
+            <a:fillRect/>
+          </a:stretch>
+        </p:blipFill>
+        <p:spPr>
+          <a:xfrm>
+            <a:off x="4643438" y="2357430"/>
+            <a:ext cx="2072270" cy="2120623"/>
+          </a:xfrm>
+          <a:prstGeom prst="rect">
+            <a:avLst/>
+          </a:prstGeom>
+        </p:spPr>
+      </p:pic>
+      <p:pic>
+        <p:nvPicPr>
+          <p:cNvPr id="10" name="Image 9" descr="photo.jpg.png"/>
+          <p:cNvPicPr>
+            <a:picLocks noChangeAspect="1"/>
+          </p:cNvPicPr>
+          <p:nvPr/>
+        </p:nvPicPr>
+        <p:blipFill>
+          <a:blip r:embed="rId4"/>
+          <a:stretch>
+            <a:fillRect/>
+          </a:stretch>
+        </p:blipFill>
+        <p:spPr>
+          <a:xfrm>
+            <a:off x="6715140" y="1000108"/>
+            <a:ext cx="1928826" cy="1928826"/>
+          </a:xfrm>
+          <a:prstGeom prst="rect">
+            <a:avLst/>
+          </a:prstGeom>
+        </p:spPr>
+      </p:pic>
+      <p:pic>
+        <p:nvPicPr>
+          <p:cNvPr id="11" name="Image 10" descr="image_thumb_634588593283301552.png"/>
+          <p:cNvPicPr>
+            <a:picLocks noChangeAspect="1"/>
+          </p:cNvPicPr>
+          <p:nvPr/>
+        </p:nvPicPr>
+        <p:blipFill>
+          <a:blip r:embed="rId5"/>
+          <a:stretch>
+            <a:fillRect/>
+          </a:stretch>
+        </p:blipFill>
+        <p:spPr>
+          <a:xfrm>
+            <a:off x="2857488" y="4286256"/>
+            <a:ext cx="1871848" cy="1611298"/>
+          </a:xfrm>
+          <a:prstGeom prst="rect">
+            <a:avLst/>
+          </a:prstGeom>
+        </p:spPr>
+      </p:pic>
+      <p:pic>
+        <p:nvPicPr>
+          <p:cNvPr id="12" name="Image 11" descr="unity-icon-big.jpg"/>
+          <p:cNvPicPr>
+            <a:picLocks noChangeAspect="1"/>
+          </p:cNvPicPr>
+          <p:nvPr/>
+        </p:nvPicPr>
+        <p:blipFill>
+          <a:blip r:embed="rId6"/>
+          <a:stretch>
+            <a:fillRect/>
+          </a:stretch>
+        </p:blipFill>
+        <p:spPr>
+          <a:xfrm>
+            <a:off x="428596" y="4500570"/>
+            <a:ext cx="2357444" cy="1532339"/>
+          </a:xfrm>
+          <a:prstGeom prst="rect">
+            <a:avLst/>
+          </a:prstGeom>
+        </p:spPr>
+      </p:pic>
     </p:spTree>
   </p:cSld>
   <p:clrMapOvr>
     <a:masterClrMapping/>
   </p:clrMapOvr>
+  <p:timing>
+    <p:tnLst>
+      <p:par>
+        <p:cTn id="1" dur="indefinite" restart="never" nodeType="tmRoot"/>
+      </p:par>
+    </p:tnLst>
+  </p:timing>
+</p:sld>
+</file>
+
+<file path=ppt/slides/slide6.xml><?xml version="1.0" encoding="utf-8"?>
+<p:sld xmlns:a="http://schemas.openxmlformats.org/drawingml/2006/main" xmlns:r="http://schemas.openxmlformats.org/officeDocument/2006/relationships" xmlns:p="http://schemas.openxmlformats.org/presentationml/2006/main">
+  <p:cSld>
+    <p:spTree>
+      <p:nvGrpSpPr>
+        <p:cNvPr id="1" name=""/>
+        <p:cNvGrpSpPr/>
+        <p:nvPr/>
+      </p:nvGrpSpPr>
+      <p:grpSpPr>
+        <a:xfrm>
+          <a:off x="0" y="0"/>
+          <a:ext cx="0" cy="0"/>
+          <a:chOff x="0" y="0"/>
+          <a:chExt cx="0" cy="0"/>
+        </a:xfrm>
+      </p:grpSpPr>
+      <p:pic>
+        <p:nvPicPr>
+          <p:cNvPr id="8" name="Espace réservé du contenu 7" descr="2000px-Scrum_process.svg.png"/>
+          <p:cNvPicPr>
+            <a:picLocks noGrp="1" noChangeAspect="1"/>
+          </p:cNvPicPr>
+          <p:nvPr>
+            <p:ph idx="1"/>
+          </p:nvPr>
+        </p:nvPicPr>
+        <p:blipFill>
+          <a:blip r:embed="rId2" cstate="print"/>
+          <a:stretch>
+            <a:fillRect/>
+          </a:stretch>
+        </p:blipFill>
+        <p:spPr>
+          <a:xfrm>
+            <a:off x="3571868" y="3357562"/>
+            <a:ext cx="5184784" cy="2592392"/>
+          </a:xfrm>
+        </p:spPr>
+      </p:pic>
+      <p:sp>
+        <p:nvSpPr>
+          <p:cNvPr id="3" name="Espace réservé de la date 2"/>
+          <p:cNvSpPr>
+            <a:spLocks noGrp="1"/>
+          </p:cNvSpPr>
+          <p:nvPr>
+            <p:ph type="dt" sz="half" idx="10"/>
+          </p:nvPr>
+        </p:nvSpPr>
+        <p:spPr/>
+        <p:txBody>
+          <a:bodyPr/>
+          <a:lstStyle/>
+          <a:p>
+            <a:r>
+              <a:rPr lang="fr-FR" smtClean="0"/>
+              <a:t>Brest, le 10 décembre 2014</a:t>
+            </a:r>
+            <a:endParaRPr lang="fr-FR" dirty="0"/>
+          </a:p>
+        </p:txBody>
+      </p:sp>
+      <p:sp>
+        <p:nvSpPr>
+          <p:cNvPr id="4" name="Espace réservé du pied de page 3"/>
+          <p:cNvSpPr>
+            <a:spLocks noGrp="1"/>
+          </p:cNvSpPr>
+          <p:nvPr>
+            <p:ph type="ftr" sz="quarter" idx="11"/>
+          </p:nvPr>
+        </p:nvSpPr>
+        <p:spPr/>
+        <p:txBody>
+          <a:bodyPr/>
+          <a:lstStyle/>
+          <a:p>
+            <a:r>
+              <a:rPr lang="fr-FR" smtClean="0"/>
+              <a:t>f0larvor@enib.fr, v0bodere@enib.fr, t2riou@enib.fr</a:t>
+            </a:r>
+            <a:endParaRPr lang="fr-FR" dirty="0"/>
+          </a:p>
+        </p:txBody>
+      </p:sp>
+      <p:sp>
+        <p:nvSpPr>
+          <p:cNvPr id="5" name="Espace réservé du numéro de diapositive 4"/>
+          <p:cNvSpPr>
+            <a:spLocks noGrp="1"/>
+          </p:cNvSpPr>
+          <p:nvPr>
+            <p:ph type="sldNum" sz="quarter" idx="12"/>
+          </p:nvPr>
+        </p:nvSpPr>
+        <p:spPr/>
+        <p:txBody>
+          <a:bodyPr/>
+          <a:lstStyle/>
+          <a:p>
+            <a:fld id="{E68024BB-FA0E-4BF2-8AAC-263A34C92FE0}" type="slidenum">
+              <a:rPr lang="fr-FR" smtClean="0"/>
+              <a:pPr/>
+              <a:t>6</a:t>
+            </a:fld>
+            <a:endParaRPr lang="fr-FR" dirty="0"/>
+          </a:p>
+        </p:txBody>
+      </p:sp>
+      <p:sp>
+        <p:nvSpPr>
+          <p:cNvPr id="6" name="Titre 5"/>
+          <p:cNvSpPr>
+            <a:spLocks noGrp="1"/>
+          </p:cNvSpPr>
+          <p:nvPr>
+            <p:ph type="title"/>
+          </p:nvPr>
+        </p:nvSpPr>
+        <p:spPr/>
+        <p:txBody>
+          <a:bodyPr/>
+          <a:lstStyle/>
+          <a:p>
+            <a:r>
+              <a:rPr lang="fr-FR" dirty="0" smtClean="0"/>
+              <a:t>Pratiques </a:t>
+            </a:r>
+            <a:r>
+              <a:rPr lang="fr-FR" dirty="0" err="1" smtClean="0"/>
+              <a:t>Scrum</a:t>
+            </a:r>
+            <a:endParaRPr lang="fr-FR" dirty="0"/>
+          </a:p>
+        </p:txBody>
+      </p:sp>
+      <p:sp>
+        <p:nvSpPr>
+          <p:cNvPr id="7" name="Espace réservé du texte 6"/>
+          <p:cNvSpPr>
+            <a:spLocks noGrp="1"/>
+          </p:cNvSpPr>
+          <p:nvPr>
+            <p:ph type="body" sz="quarter" idx="14"/>
+          </p:nvPr>
+        </p:nvSpPr>
+        <p:spPr/>
+        <p:txBody>
+          <a:bodyPr/>
+          <a:lstStyle/>
+          <a:p>
+            <a:r>
+              <a:rPr lang="fr-FR" dirty="0" smtClean="0"/>
+              <a:t>Daily Scrum à chaque début de journée puis avec M. Kubicki</a:t>
+            </a:r>
+          </a:p>
+          <a:p>
+            <a:endParaRPr lang="fr-FR" dirty="0" smtClean="0"/>
+          </a:p>
+          <a:p>
+            <a:r>
+              <a:rPr lang="fr-FR" dirty="0" smtClean="0"/>
+              <a:t>Respect strict des horaires</a:t>
+            </a:r>
+          </a:p>
+          <a:p>
+            <a:endParaRPr lang="fr-FR" dirty="0" smtClean="0"/>
+          </a:p>
+          <a:p>
+            <a:r>
+              <a:rPr lang="fr-FR" dirty="0" smtClean="0"/>
+              <a:t>Sprint </a:t>
+            </a:r>
+            <a:r>
+              <a:rPr lang="fr-FR" dirty="0" err="1" smtClean="0"/>
+              <a:t>review</a:t>
+            </a:r>
+            <a:r>
+              <a:rPr lang="fr-FR" dirty="0" smtClean="0"/>
+              <a:t> et sprint </a:t>
+            </a:r>
+            <a:r>
+              <a:rPr lang="fr-FR" dirty="0" err="1" smtClean="0"/>
+              <a:t>retrospective</a:t>
+            </a:r>
+            <a:r>
+              <a:rPr lang="fr-FR" dirty="0" smtClean="0"/>
+              <a:t> fait le soir même de la fin du sprint et au début du sprint suivant avec M. Kubicki</a:t>
+            </a:r>
+          </a:p>
+        </p:txBody>
+      </p:sp>
+      <p:sp>
+        <p:nvSpPr>
+          <p:cNvPr id="9" name="Rectangle 8"/>
+          <p:cNvSpPr/>
+          <p:nvPr/>
+        </p:nvSpPr>
+        <p:spPr>
+          <a:xfrm>
+            <a:off x="6286512" y="3786190"/>
+            <a:ext cx="428628" cy="285752"/>
+          </a:xfrm>
+          <a:prstGeom prst="rect">
+            <a:avLst/>
+          </a:prstGeom>
+          <a:solidFill>
+            <a:schemeClr val="bg1"/>
+          </a:solidFill>
+          <a:ln>
+            <a:solidFill>
+              <a:schemeClr val="bg1"/>
+            </a:solidFill>
+          </a:ln>
+        </p:spPr>
+        <p:style>
+          <a:lnRef idx="2">
+            <a:schemeClr val="dk1"/>
+          </a:lnRef>
+          <a:fillRef idx="1">
+            <a:schemeClr val="lt1"/>
+          </a:fillRef>
+          <a:effectRef idx="0">
+            <a:schemeClr val="dk1"/>
+          </a:effectRef>
+          <a:fontRef idx="minor">
+            <a:schemeClr val="dk1"/>
+          </a:fontRef>
+        </p:style>
+        <p:txBody>
+          <a:bodyPr rtlCol="0" anchor="ctr"/>
+          <a:lstStyle/>
+          <a:p>
+            <a:pPr algn="ctr"/>
+            <a:r>
+              <a:rPr lang="fr-FR" sz="1400" dirty="0" smtClean="0">
+                <a:latin typeface="Segoe UI" pitchFamily="34" charset="0"/>
+                <a:ea typeface="Segoe UI" pitchFamily="34" charset="0"/>
+                <a:cs typeface="Segoe UI" pitchFamily="34" charset="0"/>
+              </a:rPr>
+              <a:t>6h</a:t>
+            </a:r>
+            <a:r>
+              <a:rPr lang="fr-FR" dirty="0" smtClean="0"/>
+              <a:t> </a:t>
+            </a:r>
+            <a:endParaRPr lang="fr-FR" dirty="0"/>
+          </a:p>
+        </p:txBody>
+      </p:sp>
+      <p:sp>
+        <p:nvSpPr>
+          <p:cNvPr id="10" name="Rectangle 9"/>
+          <p:cNvSpPr/>
+          <p:nvPr/>
+        </p:nvSpPr>
+        <p:spPr>
+          <a:xfrm>
+            <a:off x="6572264" y="4500570"/>
+            <a:ext cx="500066" cy="214314"/>
+          </a:xfrm>
+          <a:prstGeom prst="rect">
+            <a:avLst/>
+          </a:prstGeom>
+          <a:solidFill>
+            <a:schemeClr val="bg1"/>
+          </a:solidFill>
+          <a:ln>
+            <a:solidFill>
+              <a:schemeClr val="bg1"/>
+            </a:solidFill>
+          </a:ln>
+        </p:spPr>
+        <p:style>
+          <a:lnRef idx="2">
+            <a:schemeClr val="dk1"/>
+          </a:lnRef>
+          <a:fillRef idx="1">
+            <a:schemeClr val="lt1"/>
+          </a:fillRef>
+          <a:effectRef idx="0">
+            <a:schemeClr val="dk1"/>
+          </a:effectRef>
+          <a:fontRef idx="minor">
+            <a:schemeClr val="dk1"/>
+          </a:fontRef>
+        </p:style>
+        <p:txBody>
+          <a:bodyPr rtlCol="0" anchor="ctr"/>
+          <a:lstStyle/>
+          <a:p>
+            <a:pPr algn="ctr"/>
+            <a:r>
+              <a:rPr lang="fr-FR" sz="1200" dirty="0" smtClean="0">
+                <a:latin typeface="Segoe UI" pitchFamily="34" charset="0"/>
+                <a:ea typeface="Segoe UI" pitchFamily="34" charset="0"/>
+                <a:cs typeface="Segoe UI" pitchFamily="34" charset="0"/>
+              </a:rPr>
+              <a:t>3 j </a:t>
+            </a:r>
+            <a:endParaRPr lang="fr-FR" sz="1200" dirty="0">
+              <a:latin typeface="Segoe UI" pitchFamily="34" charset="0"/>
+              <a:ea typeface="Segoe UI" pitchFamily="34" charset="0"/>
+              <a:cs typeface="Segoe UI" pitchFamily="34" charset="0"/>
+            </a:endParaRPr>
+          </a:p>
+        </p:txBody>
+      </p:sp>
+    </p:spTree>
+  </p:cSld>
+  <p:clrMapOvr>
+    <a:masterClrMapping/>
+  </p:clrMapOvr>
+  <p:timing>
+    <p:tnLst>
+      <p:par>
+        <p:cTn id="1" dur="indefinite" restart="never" nodeType="tmRoot"/>
+      </p:par>
+    </p:tnLst>
+  </p:timing>
+</p:sld>
+</file>
+
+<file path=ppt/slides/slide7.xml><?xml version="1.0" encoding="utf-8"?>
+<p:sld xmlns:a="http://schemas.openxmlformats.org/drawingml/2006/main" xmlns:r="http://schemas.openxmlformats.org/officeDocument/2006/relationships" xmlns:p="http://schemas.openxmlformats.org/presentationml/2006/main">
+  <p:cSld>
+    <p:spTree>
+      <p:nvGrpSpPr>
+        <p:cNvPr id="1" name=""/>
+        <p:cNvGrpSpPr/>
+        <p:nvPr/>
+      </p:nvGrpSpPr>
+      <p:grpSpPr>
+        <a:xfrm>
+          <a:off x="0" y="0"/>
+          <a:ext cx="0" cy="0"/>
+          <a:chOff x="0" y="0"/>
+          <a:chExt cx="0" cy="0"/>
+        </a:xfrm>
+      </p:grpSpPr>
+      <p:sp>
+        <p:nvSpPr>
+          <p:cNvPr id="3" name="Espace réservé de la date 2"/>
+          <p:cNvSpPr>
+            <a:spLocks noGrp="1"/>
+          </p:cNvSpPr>
+          <p:nvPr>
+            <p:ph type="dt" sz="half" idx="10"/>
+          </p:nvPr>
+        </p:nvSpPr>
+        <p:spPr/>
+        <p:txBody>
+          <a:bodyPr/>
+          <a:lstStyle/>
+          <a:p>
+            <a:r>
+              <a:rPr lang="fr-FR" smtClean="0"/>
+              <a:t>Brest, le 10 décembre 2014</a:t>
+            </a:r>
+            <a:endParaRPr lang="fr-FR" dirty="0"/>
+          </a:p>
+        </p:txBody>
+      </p:sp>
+      <p:sp>
+        <p:nvSpPr>
+          <p:cNvPr id="4" name="Espace réservé du pied de page 3"/>
+          <p:cNvSpPr>
+            <a:spLocks noGrp="1"/>
+          </p:cNvSpPr>
+          <p:nvPr>
+            <p:ph type="ftr" sz="quarter" idx="11"/>
+          </p:nvPr>
+        </p:nvSpPr>
+        <p:spPr/>
+        <p:txBody>
+          <a:bodyPr/>
+          <a:lstStyle/>
+          <a:p>
+            <a:r>
+              <a:rPr lang="fr-FR" smtClean="0"/>
+              <a:t>f0larvor@enib.fr, v0bodere@enib.fr, t2riou@enib.fr</a:t>
+            </a:r>
+            <a:endParaRPr lang="fr-FR" dirty="0"/>
+          </a:p>
+        </p:txBody>
+      </p:sp>
+      <p:sp>
+        <p:nvSpPr>
+          <p:cNvPr id="5" name="Espace réservé du numéro de diapositive 4"/>
+          <p:cNvSpPr>
+            <a:spLocks noGrp="1"/>
+          </p:cNvSpPr>
+          <p:nvPr>
+            <p:ph type="sldNum" sz="quarter" idx="12"/>
+          </p:nvPr>
+        </p:nvSpPr>
+        <p:spPr/>
+        <p:txBody>
+          <a:bodyPr/>
+          <a:lstStyle/>
+          <a:p>
+            <a:fld id="{E68024BB-FA0E-4BF2-8AAC-263A34C92FE0}" type="slidenum">
+              <a:rPr lang="fr-FR" smtClean="0"/>
+              <a:pPr/>
+              <a:t>7</a:t>
+            </a:fld>
+            <a:endParaRPr lang="fr-FR" dirty="0"/>
+          </a:p>
+        </p:txBody>
+      </p:sp>
+      <p:sp>
+        <p:nvSpPr>
+          <p:cNvPr id="6" name="Titre 5"/>
+          <p:cNvSpPr>
+            <a:spLocks noGrp="1"/>
+          </p:cNvSpPr>
+          <p:nvPr>
+            <p:ph type="title"/>
+          </p:nvPr>
+        </p:nvSpPr>
+        <p:spPr>
+          <a:xfrm>
+            <a:off x="2498512" y="620688"/>
+            <a:ext cx="5645388" cy="720080"/>
+          </a:xfrm>
+        </p:spPr>
+        <p:txBody>
+          <a:bodyPr/>
+          <a:lstStyle/>
+          <a:p>
+            <a:r>
+              <a:rPr lang="fr-FR" dirty="0" smtClean="0"/>
+              <a:t>Impact de la méthodologie Scrum</a:t>
+            </a:r>
+            <a:endParaRPr lang="fr-FR" dirty="0"/>
+          </a:p>
+        </p:txBody>
+      </p:sp>
+      <p:sp>
+        <p:nvSpPr>
+          <p:cNvPr id="7" name="Espace réservé du texte 6"/>
+          <p:cNvSpPr>
+            <a:spLocks noGrp="1"/>
+          </p:cNvSpPr>
+          <p:nvPr>
+            <p:ph type="body" sz="quarter" idx="14"/>
+          </p:nvPr>
+        </p:nvSpPr>
+        <p:spPr/>
+        <p:txBody>
+          <a:bodyPr/>
+          <a:lstStyle/>
+          <a:p>
+            <a:r>
+              <a:rPr lang="fr-FR" dirty="0" smtClean="0"/>
+              <a:t>Projet organisé</a:t>
+            </a:r>
+          </a:p>
+          <a:p>
+            <a:endParaRPr lang="fr-FR" dirty="0" smtClean="0"/>
+          </a:p>
+          <a:p>
+            <a:r>
+              <a:rPr lang="fr-FR" dirty="0" smtClean="0"/>
+              <a:t>Tâches planifiées au début</a:t>
+            </a:r>
+          </a:p>
+          <a:p>
+            <a:endParaRPr lang="fr-FR" dirty="0" smtClean="0"/>
+          </a:p>
+          <a:p>
+            <a:r>
+              <a:rPr lang="fr-FR" dirty="0" smtClean="0"/>
+              <a:t>Répartition du travail plus claires</a:t>
+            </a:r>
+          </a:p>
+          <a:p>
+            <a:endParaRPr lang="fr-FR" dirty="0" smtClean="0"/>
+          </a:p>
+          <a:p>
+            <a:r>
+              <a:rPr lang="fr-FR" dirty="0" smtClean="0"/>
+              <a:t>Gain de temps</a:t>
+            </a:r>
+          </a:p>
+          <a:p>
+            <a:endParaRPr lang="fr-FR" dirty="0" smtClean="0"/>
+          </a:p>
+          <a:p>
+            <a:r>
+              <a:rPr lang="fr-FR" dirty="0" smtClean="0"/>
+              <a:t>Parallélisme</a:t>
+            </a:r>
+            <a:endParaRPr lang="fr-FR" dirty="0"/>
+          </a:p>
+        </p:txBody>
+      </p:sp>
+      <p:pic>
+        <p:nvPicPr>
+          <p:cNvPr id="10" name="Espace réservé du contenu 9" descr="backlog.jpg"/>
+          <p:cNvPicPr>
+            <a:picLocks noGrp="1" noChangeAspect="1"/>
+          </p:cNvPicPr>
+          <p:nvPr>
+            <p:ph idx="1"/>
+          </p:nvPr>
+        </p:nvPicPr>
+        <p:blipFill>
+          <a:blip r:embed="rId2"/>
+          <a:stretch>
+            <a:fillRect/>
+          </a:stretch>
+        </p:blipFill>
+        <p:spPr>
+          <a:xfrm>
+            <a:off x="3571868" y="1571612"/>
+            <a:ext cx="5191491" cy="4303795"/>
+          </a:xfrm>
+          <a:prstGeom prst="rect">
+            <a:avLst/>
+          </a:prstGeom>
+          <a:ln>
+            <a:noFill/>
+          </a:ln>
+          <a:effectLst>
+            <a:outerShdw blurRad="292100" dist="139700" dir="2700000" algn="tl" rotWithShape="0">
+              <a:srgbClr val="333333">
+                <a:alpha val="65000"/>
+              </a:srgbClr>
+            </a:outerShdw>
+          </a:effectLst>
+        </p:spPr>
+      </p:pic>
+    </p:spTree>
+  </p:cSld>
+  <p:clrMapOvr>
+    <a:masterClrMapping/>
+  </p:clrMapOvr>
+  <p:timing>
+    <p:tnLst>
+      <p:par>
+        <p:cTn id="1" dur="indefinite" restart="never" nodeType="tmRoot"/>
+      </p:par>
+    </p:tnLst>
+  </p:timing>
+</p:sld>
+</file>
+
+<file path=ppt/slides/slide8.xml><?xml version="1.0" encoding="utf-8"?>
+<p:sld xmlns:a="http://schemas.openxmlformats.org/drawingml/2006/main" xmlns:r="http://schemas.openxmlformats.org/officeDocument/2006/relationships" xmlns:p="http://schemas.openxmlformats.org/presentationml/2006/main">
+  <p:cSld>
+    <p:spTree>
+      <p:nvGrpSpPr>
+        <p:cNvPr id="1" name=""/>
+        <p:cNvGrpSpPr/>
+        <p:nvPr/>
+      </p:nvGrpSpPr>
+      <p:grpSpPr>
+        <a:xfrm>
+          <a:off x="0" y="0"/>
+          <a:ext cx="0" cy="0"/>
+          <a:chOff x="0" y="0"/>
+          <a:chExt cx="0" cy="0"/>
+        </a:xfrm>
+      </p:grpSpPr>
+      <p:sp>
+        <p:nvSpPr>
+          <p:cNvPr id="3" name="Espace réservé de la date 2"/>
+          <p:cNvSpPr>
+            <a:spLocks noGrp="1"/>
+          </p:cNvSpPr>
+          <p:nvPr>
+            <p:ph type="dt" sz="half" idx="10"/>
+          </p:nvPr>
+        </p:nvSpPr>
+        <p:spPr/>
+        <p:txBody>
+          <a:bodyPr/>
+          <a:lstStyle/>
+          <a:p>
+            <a:r>
+              <a:rPr lang="fr-FR" smtClean="0"/>
+              <a:t>Brest, le 10 décembre 2014</a:t>
+            </a:r>
+            <a:endParaRPr lang="fr-FR" dirty="0"/>
+          </a:p>
+        </p:txBody>
+      </p:sp>
+      <p:sp>
+        <p:nvSpPr>
+          <p:cNvPr id="4" name="Espace réservé du pied de page 3"/>
+          <p:cNvSpPr>
+            <a:spLocks noGrp="1"/>
+          </p:cNvSpPr>
+          <p:nvPr>
+            <p:ph type="ftr" sz="quarter" idx="11"/>
+          </p:nvPr>
+        </p:nvSpPr>
+        <p:spPr/>
+        <p:txBody>
+          <a:bodyPr/>
+          <a:lstStyle/>
+          <a:p>
+            <a:r>
+              <a:rPr lang="fr-FR" smtClean="0"/>
+              <a:t>f0larvor@enib.fr, v0bodere@enib.fr, t2riou@enib.fr</a:t>
+            </a:r>
+            <a:endParaRPr lang="fr-FR" dirty="0"/>
+          </a:p>
+        </p:txBody>
+      </p:sp>
+      <p:sp>
+        <p:nvSpPr>
+          <p:cNvPr id="5" name="Espace réservé du numéro de diapositive 4"/>
+          <p:cNvSpPr>
+            <a:spLocks noGrp="1"/>
+          </p:cNvSpPr>
+          <p:nvPr>
+            <p:ph type="sldNum" sz="quarter" idx="12"/>
+          </p:nvPr>
+        </p:nvSpPr>
+        <p:spPr/>
+        <p:txBody>
+          <a:bodyPr/>
+          <a:lstStyle/>
+          <a:p>
+            <a:fld id="{E68024BB-FA0E-4BF2-8AAC-263A34C92FE0}" type="slidenum">
+              <a:rPr lang="fr-FR" smtClean="0"/>
+              <a:pPr/>
+              <a:t>8</a:t>
+            </a:fld>
+            <a:endParaRPr lang="fr-FR" dirty="0"/>
+          </a:p>
+        </p:txBody>
+      </p:sp>
+      <p:sp>
+        <p:nvSpPr>
+          <p:cNvPr id="6" name="Titre 5"/>
+          <p:cNvSpPr>
+            <a:spLocks noGrp="1"/>
+          </p:cNvSpPr>
+          <p:nvPr>
+            <p:ph type="title"/>
+          </p:nvPr>
+        </p:nvSpPr>
+        <p:spPr/>
+        <p:txBody>
+          <a:bodyPr/>
+          <a:lstStyle/>
+          <a:p>
+            <a:r>
+              <a:rPr lang="fr-FR" dirty="0" err="1" smtClean="0"/>
+              <a:t>Kanban</a:t>
+            </a:r>
+            <a:r>
+              <a:rPr lang="fr-FR" dirty="0" smtClean="0"/>
+              <a:t> et </a:t>
+            </a:r>
+            <a:r>
+              <a:rPr lang="fr-FR" dirty="0" err="1" smtClean="0"/>
+              <a:t>Burndown</a:t>
+            </a:r>
+            <a:r>
+              <a:rPr lang="fr-FR" dirty="0" smtClean="0"/>
+              <a:t> </a:t>
+            </a:r>
+            <a:r>
+              <a:rPr lang="fr-FR" dirty="0" err="1" smtClean="0"/>
+              <a:t>Chart</a:t>
+            </a:r>
+            <a:endParaRPr lang="fr-FR" dirty="0"/>
+          </a:p>
+        </p:txBody>
+      </p:sp>
+      <p:pic>
+        <p:nvPicPr>
+          <p:cNvPr id="14" name="Espace réservé du contenu 13" descr="PixelSense_Sprint1_End_Burndown_Riou.jpg"/>
+          <p:cNvPicPr>
+            <a:picLocks noGrp="1" noChangeAspect="1"/>
+          </p:cNvPicPr>
+          <p:nvPr>
+            <p:ph idx="1"/>
+          </p:nvPr>
+        </p:nvPicPr>
+        <p:blipFill>
+          <a:blip r:embed="rId2" cstate="print"/>
+          <a:srcRect l="7329" r="10219" b="14495"/>
+          <a:stretch>
+            <a:fillRect/>
+          </a:stretch>
+        </p:blipFill>
+        <p:spPr>
+          <a:xfrm>
+            <a:off x="1000100" y="3429000"/>
+            <a:ext cx="3214710" cy="2500330"/>
+          </a:xfrm>
+          <a:prstGeom prst="rect">
+            <a:avLst/>
+          </a:prstGeom>
+          <a:ln>
+            <a:noFill/>
+          </a:ln>
+          <a:effectLst>
+            <a:outerShdw blurRad="292100" dist="139700" dir="2700000" algn="tl" rotWithShape="0">
+              <a:srgbClr val="333333">
+                <a:alpha val="65000"/>
+              </a:srgbClr>
+            </a:outerShdw>
+          </a:effectLst>
+        </p:spPr>
+      </p:pic>
+      <p:pic>
+        <p:nvPicPr>
+          <p:cNvPr id="15" name="Image 14" descr="PixelSense_Sprint2_Daily3_Burndown_Larvor.jpg"/>
+          <p:cNvPicPr>
+            <a:picLocks noChangeAspect="1"/>
+          </p:cNvPicPr>
+          <p:nvPr/>
+        </p:nvPicPr>
+        <p:blipFill>
+          <a:blip r:embed="rId3" cstate="print"/>
+          <a:srcRect l="17105" t="8772" r="22368" b="26315"/>
+          <a:stretch>
+            <a:fillRect/>
+          </a:stretch>
+        </p:blipFill>
+        <p:spPr>
+          <a:xfrm>
+            <a:off x="5000628" y="3429000"/>
+            <a:ext cx="3286148" cy="2643206"/>
+          </a:xfrm>
+          <a:prstGeom prst="rect">
+            <a:avLst/>
+          </a:prstGeom>
+          <a:ln>
+            <a:noFill/>
+          </a:ln>
+          <a:effectLst>
+            <a:outerShdw blurRad="292100" dist="139700" dir="2700000" algn="tl" rotWithShape="0">
+              <a:srgbClr val="333333">
+                <a:alpha val="65000"/>
+              </a:srgbClr>
+            </a:outerShdw>
+          </a:effectLst>
+        </p:spPr>
+      </p:pic>
+      <p:pic>
+        <p:nvPicPr>
+          <p:cNvPr id="16" name="Image 15" descr="PixelSense_Sprint1_End_Kanban_Riou.jpg"/>
+          <p:cNvPicPr>
+            <a:picLocks noChangeAspect="1"/>
+          </p:cNvPicPr>
+          <p:nvPr/>
+        </p:nvPicPr>
+        <p:blipFill>
+          <a:blip r:embed="rId4" cstate="print"/>
+          <a:srcRect t="2083" r="6249" b="50000"/>
+          <a:stretch>
+            <a:fillRect/>
+          </a:stretch>
+        </p:blipFill>
+        <p:spPr>
+          <a:xfrm>
+            <a:off x="642910" y="1428736"/>
+            <a:ext cx="3857652" cy="1478767"/>
+          </a:xfrm>
+          <a:prstGeom prst="rect">
+            <a:avLst/>
+          </a:prstGeom>
+          <a:ln>
+            <a:noFill/>
+          </a:ln>
+          <a:effectLst>
+            <a:outerShdw blurRad="292100" dist="139700" dir="2700000" algn="tl" rotWithShape="0">
+              <a:srgbClr val="333333">
+                <a:alpha val="65000"/>
+              </a:srgbClr>
+            </a:outerShdw>
+          </a:effectLst>
+        </p:spPr>
+      </p:pic>
+      <p:pic>
+        <p:nvPicPr>
+          <p:cNvPr id="17" name="Image 16" descr="PixelSense_Sprint2_End_Kanban_Larvor.jpg"/>
+          <p:cNvPicPr>
+            <a:picLocks noChangeAspect="1"/>
+          </p:cNvPicPr>
+          <p:nvPr/>
+        </p:nvPicPr>
+        <p:blipFill>
+          <a:blip r:embed="rId5" cstate="print"/>
+          <a:srcRect l="1887" t="15095" r="7546" b="42138"/>
+          <a:stretch>
+            <a:fillRect/>
+          </a:stretch>
+        </p:blipFill>
+        <p:spPr>
+          <a:xfrm>
+            <a:off x="4786314" y="1428736"/>
+            <a:ext cx="4034146" cy="1428760"/>
+          </a:xfrm>
+          <a:prstGeom prst="rect">
+            <a:avLst/>
+          </a:prstGeom>
+          <a:ln>
+            <a:noFill/>
+          </a:ln>
+          <a:effectLst>
+            <a:outerShdw blurRad="292100" dist="139700" dir="2700000" algn="tl" rotWithShape="0">
+              <a:srgbClr val="333333">
+                <a:alpha val="65000"/>
+              </a:srgbClr>
+            </a:outerShdw>
+          </a:effectLst>
+        </p:spPr>
+      </p:pic>
+    </p:spTree>
+  </p:cSld>
+  <p:clrMapOvr>
+    <a:masterClrMapping/>
+  </p:clrMapOvr>
+  <p:timing>
+    <p:tnLst>
+      <p:par>
+        <p:cTn id="1" dur="indefinite" restart="never" nodeType="tmRoot"/>
+      </p:par>
+    </p:tnLst>
+  </p:timing>
+</p:sld>
+</file>
+
+<file path=ppt/slides/slide9.xml><?xml version="1.0" encoding="utf-8"?>
+<p:sld xmlns:a="http://schemas.openxmlformats.org/drawingml/2006/main" xmlns:r="http://schemas.openxmlformats.org/officeDocument/2006/relationships" xmlns:p="http://schemas.openxmlformats.org/presentationml/2006/main">
+  <p:cSld>
+    <p:spTree>
+      <p:nvGrpSpPr>
+        <p:cNvPr id="1" name=""/>
+        <p:cNvGrpSpPr/>
+        <p:nvPr/>
+      </p:nvGrpSpPr>
+      <p:grpSpPr>
+        <a:xfrm>
+          <a:off x="0" y="0"/>
+          <a:ext cx="0" cy="0"/>
+          <a:chOff x="0" y="0"/>
+          <a:chExt cx="0" cy="0"/>
+        </a:xfrm>
+      </p:grpSpPr>
+      <p:pic>
+        <p:nvPicPr>
+          <p:cNvPr id="8" name="Espace réservé du contenu 7" descr="avion_propre.jpg"/>
+          <p:cNvPicPr>
+            <a:picLocks noGrp="1" noChangeAspect="1"/>
+          </p:cNvPicPr>
+          <p:nvPr>
+            <p:ph idx="1"/>
+          </p:nvPr>
+        </p:nvPicPr>
+        <p:blipFill>
+          <a:blip r:embed="rId2" cstate="print"/>
+          <a:stretch>
+            <a:fillRect/>
+          </a:stretch>
+        </p:blipFill>
+        <p:spPr>
+          <a:xfrm>
+            <a:off x="4786314" y="1428736"/>
+            <a:ext cx="3898900" cy="2287546"/>
+          </a:xfrm>
+          <a:prstGeom prst="roundRect">
+            <a:avLst>
+              <a:gd name="adj" fmla="val 8594"/>
+            </a:avLst>
+          </a:prstGeom>
+          <a:solidFill>
+            <a:srgbClr val="FFFFFF">
+              <a:shade val="85000"/>
+            </a:srgbClr>
+          </a:solidFill>
+          <a:ln>
+            <a:noFill/>
+          </a:ln>
+          <a:effectLst>
+            <a:reflection blurRad="12700" stA="38000" endPos="28000" dist="5000" dir="5400000" sy="-100000" algn="bl" rotWithShape="0"/>
+          </a:effectLst>
+        </p:spPr>
+      </p:pic>
+      <p:sp>
+        <p:nvSpPr>
+          <p:cNvPr id="3" name="Espace réservé de la date 2"/>
+          <p:cNvSpPr>
+            <a:spLocks noGrp="1"/>
+          </p:cNvSpPr>
+          <p:nvPr>
+            <p:ph type="dt" sz="half" idx="10"/>
+          </p:nvPr>
+        </p:nvSpPr>
+        <p:spPr/>
+        <p:txBody>
+          <a:bodyPr/>
+          <a:lstStyle/>
+          <a:p>
+            <a:r>
+              <a:rPr lang="fr-FR" smtClean="0"/>
+              <a:t>Brest, le 10 décembre 2014</a:t>
+            </a:r>
+            <a:endParaRPr lang="fr-FR" dirty="0"/>
+          </a:p>
+        </p:txBody>
+      </p:sp>
+      <p:sp>
+        <p:nvSpPr>
+          <p:cNvPr id="4" name="Espace réservé du pied de page 3"/>
+          <p:cNvSpPr>
+            <a:spLocks noGrp="1"/>
+          </p:cNvSpPr>
+          <p:nvPr>
+            <p:ph type="ftr" sz="quarter" idx="11"/>
+          </p:nvPr>
+        </p:nvSpPr>
+        <p:spPr/>
+        <p:txBody>
+          <a:bodyPr/>
+          <a:lstStyle/>
+          <a:p>
+            <a:r>
+              <a:rPr lang="fr-FR" smtClean="0"/>
+              <a:t>f0larvor@enib.fr, v0bodere@enib.fr, t2riou@enib.fr</a:t>
+            </a:r>
+            <a:endParaRPr lang="fr-FR" dirty="0"/>
+          </a:p>
+        </p:txBody>
+      </p:sp>
+      <p:sp>
+        <p:nvSpPr>
+          <p:cNvPr id="5" name="Espace réservé du numéro de diapositive 4"/>
+          <p:cNvSpPr>
+            <a:spLocks noGrp="1"/>
+          </p:cNvSpPr>
+          <p:nvPr>
+            <p:ph type="sldNum" sz="quarter" idx="12"/>
+          </p:nvPr>
+        </p:nvSpPr>
+        <p:spPr/>
+        <p:txBody>
+          <a:bodyPr/>
+          <a:lstStyle/>
+          <a:p>
+            <a:fld id="{E68024BB-FA0E-4BF2-8AAC-263A34C92FE0}" type="slidenum">
+              <a:rPr lang="fr-FR" smtClean="0"/>
+              <a:pPr/>
+              <a:t>9</a:t>
+            </a:fld>
+            <a:endParaRPr lang="fr-FR" dirty="0"/>
+          </a:p>
+        </p:txBody>
+      </p:sp>
+      <p:sp>
+        <p:nvSpPr>
+          <p:cNvPr id="6" name="Titre 5"/>
+          <p:cNvSpPr>
+            <a:spLocks noGrp="1"/>
+          </p:cNvSpPr>
+          <p:nvPr>
+            <p:ph type="title"/>
+          </p:nvPr>
+        </p:nvSpPr>
+        <p:spPr/>
+        <p:txBody>
+          <a:bodyPr/>
+          <a:lstStyle/>
+          <a:p>
+            <a:r>
+              <a:rPr lang="fr-FR" dirty="0" smtClean="0"/>
+              <a:t>Conclusion</a:t>
+            </a:r>
+            <a:endParaRPr lang="fr-FR" dirty="0"/>
+          </a:p>
+        </p:txBody>
+      </p:sp>
+      <p:sp>
+        <p:nvSpPr>
+          <p:cNvPr id="7" name="Espace réservé du texte 6"/>
+          <p:cNvSpPr>
+            <a:spLocks noGrp="1"/>
+          </p:cNvSpPr>
+          <p:nvPr>
+            <p:ph type="body" sz="quarter" idx="14"/>
+          </p:nvPr>
+        </p:nvSpPr>
+        <p:spPr/>
+        <p:txBody>
+          <a:bodyPr/>
+          <a:lstStyle/>
+          <a:p>
+            <a:endParaRPr lang="fr-FR"/>
+          </a:p>
+        </p:txBody>
+      </p:sp>
+    </p:spTree>
+  </p:cSld>
+  <p:clrMapOvr>
+    <a:masterClrMapping/>
+  </p:clrMapOvr>
+  <p:timing>
+    <p:tnLst>
+      <p:par>
+        <p:cTn id="1" dur="indefinite" restart="never" nodeType="tmRoot"/>
+      </p:par>
+    </p:tnLst>
+  </p:timing>
 </p:sld>
 </file>
 

--- a/Soutenance/modele-ENIB-2010.pptx
+++ b/Soutenance/modele-ENIB-2010.pptx
@@ -535,7 +535,7 @@
     </p:spTree>
     <p:extLst>
       <p:ext uri="{BB962C8B-B14F-4D97-AF65-F5344CB8AC3E}">
-        <p14:creationId xmlns="" xmlns:p14="http://schemas.microsoft.com/office/powerpoint/2010/main" val="3421079549"/>
+        <p14:creationId xmlns:p14="http://schemas.microsoft.com/office/powerpoint/2010/main" xmlns="" val="3421079549"/>
       </p:ext>
     </p:extLst>
   </p:cSld>
@@ -664,7 +664,7 @@
           <a:blip r:embed="rId2" cstate="print">
             <a:extLst>
               <a:ext uri="{28A0092B-C50C-407E-A947-70E740481C1C}">
-                <a14:useLocalDpi xmlns="" xmlns:a14="http://schemas.microsoft.com/office/drawing/2010/main" val="0"/>
+                <a14:useLocalDpi xmlns:a14="http://schemas.microsoft.com/office/drawing/2010/main" xmlns="" val="0"/>
               </a:ext>
             </a:extLst>
           </a:blip>
@@ -897,7 +897,7 @@
           <a:blip r:embed="rId3" cstate="print">
             <a:extLst>
               <a:ext uri="{28A0092B-C50C-407E-A947-70E740481C1C}">
-                <a14:useLocalDpi xmlns="" xmlns:a14="http://schemas.microsoft.com/office/drawing/2010/main" val="0"/>
+                <a14:useLocalDpi xmlns:a14="http://schemas.microsoft.com/office/drawing/2010/main" xmlns="" val="0"/>
               </a:ext>
             </a:extLst>
           </a:blip>
@@ -918,7 +918,7 @@
     </p:spTree>
     <p:extLst>
       <p:ext uri="{BB962C8B-B14F-4D97-AF65-F5344CB8AC3E}">
-        <p14:creationId xmlns="" xmlns:p14="http://schemas.microsoft.com/office/powerpoint/2010/main" val="3437848629"/>
+        <p14:creationId xmlns:p14="http://schemas.microsoft.com/office/powerpoint/2010/main" xmlns="" val="3437848629"/>
       </p:ext>
     </p:extLst>
   </p:cSld>
@@ -1152,7 +1152,7 @@
     </p:spTree>
     <p:extLst>
       <p:ext uri="{BB962C8B-B14F-4D97-AF65-F5344CB8AC3E}">
-        <p14:creationId xmlns="" xmlns:p14="http://schemas.microsoft.com/office/powerpoint/2010/main" val="2787258775"/>
+        <p14:creationId xmlns:p14="http://schemas.microsoft.com/office/powerpoint/2010/main" xmlns="" val="2787258775"/>
       </p:ext>
     </p:extLst>
   </p:cSld>
@@ -1326,7 +1326,7 @@
           <a:blip r:embed="rId2" cstate="print">
             <a:extLst>
               <a:ext uri="{28A0092B-C50C-407E-A947-70E740481C1C}">
-                <a14:useLocalDpi xmlns="" xmlns:a14="http://schemas.microsoft.com/office/drawing/2010/main" val="0"/>
+                <a14:useLocalDpi xmlns:a14="http://schemas.microsoft.com/office/drawing/2010/main" xmlns="" val="0"/>
               </a:ext>
             </a:extLst>
           </a:blip>
@@ -1437,7 +1437,7 @@
     </p:spTree>
     <p:extLst>
       <p:ext uri="{BB962C8B-B14F-4D97-AF65-F5344CB8AC3E}">
-        <p14:creationId xmlns="" xmlns:p14="http://schemas.microsoft.com/office/powerpoint/2010/main" val="1258542398"/>
+        <p14:creationId xmlns:p14="http://schemas.microsoft.com/office/powerpoint/2010/main" xmlns="" val="1258542398"/>
       </p:ext>
     </p:extLst>
   </p:cSld>
@@ -1488,7 +1488,7 @@
           <a:blip r:embed="rId5" cstate="print">
             <a:extLst>
               <a:ext uri="{28A0092B-C50C-407E-A947-70E740481C1C}">
-                <a14:useLocalDpi xmlns="" xmlns:a14="http://schemas.microsoft.com/office/drawing/2010/main" val="0"/>
+                <a14:useLocalDpi xmlns:a14="http://schemas.microsoft.com/office/drawing/2010/main" xmlns="" val="0"/>
               </a:ext>
             </a:extLst>
           </a:blip>
@@ -1735,7 +1735,7 @@
           <a:blip r:embed="rId6" cstate="print">
             <a:extLst>
               <a:ext uri="{28A0092B-C50C-407E-A947-70E740481C1C}">
-                <a14:useLocalDpi xmlns="" xmlns:a14="http://schemas.microsoft.com/office/drawing/2010/main" val="0"/>
+                <a14:useLocalDpi xmlns:a14="http://schemas.microsoft.com/office/drawing/2010/main" xmlns="" val="0"/>
               </a:ext>
             </a:extLst>
           </a:blip>
@@ -1755,7 +1755,7 @@
           <a:noFill/>
           <a:extLst>
             <a:ext uri="{909E8E84-426E-40DD-AFC4-6F175D3DCCD1}">
-              <a14:hiddenFill xmlns="" xmlns:a14="http://schemas.microsoft.com/office/drawing/2010/main">
+              <a14:hiddenFill xmlns:a14="http://schemas.microsoft.com/office/drawing/2010/main" xmlns="">
                 <a:solidFill>
                   <a:srgbClr val="FFFFFF"/>
                 </a:solidFill>
@@ -1776,7 +1776,7 @@
           <a:blip r:embed="rId7" cstate="print">
             <a:extLst>
               <a:ext uri="{28A0092B-C50C-407E-A947-70E740481C1C}">
-                <a14:useLocalDpi xmlns="" xmlns:a14="http://schemas.microsoft.com/office/drawing/2010/main" val="0"/>
+                <a14:useLocalDpi xmlns:a14="http://schemas.microsoft.com/office/drawing/2010/main" xmlns="" val="0"/>
               </a:ext>
             </a:extLst>
           </a:blip>
@@ -1796,7 +1796,7 @@
           <a:noFill/>
           <a:extLst>
             <a:ext uri="{909E8E84-426E-40DD-AFC4-6F175D3DCCD1}">
-              <a14:hiddenFill xmlns="" xmlns:a14="http://schemas.microsoft.com/office/drawing/2010/main">
+              <a14:hiddenFill xmlns:a14="http://schemas.microsoft.com/office/drawing/2010/main" xmlns="">
                 <a:solidFill>
                   <a:srgbClr val="FFFFFF"/>
                 </a:solidFill>
@@ -1808,7 +1808,7 @@
     </p:spTree>
     <p:extLst>
       <p:ext uri="{BB962C8B-B14F-4D97-AF65-F5344CB8AC3E}">
-        <p14:creationId xmlns="" xmlns:p14="http://schemas.microsoft.com/office/powerpoint/2010/main" val="359013793"/>
+        <p14:creationId xmlns:p14="http://schemas.microsoft.com/office/powerpoint/2010/main" xmlns="" val="359013793"/>
       </p:ext>
     </p:extLst>
   </p:cSld>
@@ -2212,7 +2212,7 @@
     </p:spTree>
     <p:extLst>
       <p:ext uri="{BB962C8B-B14F-4D97-AF65-F5344CB8AC3E}">
-        <p14:creationId xmlns="" xmlns:p14="http://schemas.microsoft.com/office/powerpoint/2010/main" val="3021424687"/>
+        <p14:creationId xmlns:p14="http://schemas.microsoft.com/office/powerpoint/2010/main" xmlns="" val="3021424687"/>
       </p:ext>
     </p:extLst>
   </p:cSld>
@@ -4211,7 +4211,34 @@
           <a:bodyPr/>
           <a:lstStyle/>
           <a:p>
-            <a:endParaRPr lang="fr-FR"/>
+            <a:r>
+              <a:rPr lang="fr-FR" dirty="0" smtClean="0"/>
+              <a:t>3 releases : 2 tutoriels et 2 applications</a:t>
+            </a:r>
+          </a:p>
+          <a:p>
+            <a:endParaRPr lang="fr-FR" dirty="0" smtClean="0"/>
+          </a:p>
+          <a:p>
+            <a:r>
+              <a:rPr lang="fr-FR" dirty="0" smtClean="0"/>
+              <a:t>Bonne organisation grâce à la méthodologie Scrum</a:t>
+            </a:r>
+          </a:p>
+          <a:p>
+            <a:endParaRPr lang="fr-FR" dirty="0" smtClean="0"/>
+          </a:p>
+          <a:p>
+            <a:r>
+              <a:rPr lang="fr-FR" dirty="0" smtClean="0"/>
+              <a:t>Charge de travail inférieur à la durée initial du projet</a:t>
+            </a:r>
+          </a:p>
+          <a:p>
+            <a:endParaRPr lang="fr-FR" dirty="0" smtClean="0"/>
+          </a:p>
+          <a:p>
+            <a:endParaRPr lang="fr-FR" dirty="0"/>
           </a:p>
         </p:txBody>
       </p:sp>

--- a/Soutenance/modele-ENIB-2010.pptx
+++ b/Soutenance/modele-ENIB-2010.pptx
@@ -535,7 +535,7 @@
     </p:spTree>
     <p:extLst>
       <p:ext uri="{BB962C8B-B14F-4D97-AF65-F5344CB8AC3E}">
-        <p14:creationId xmlns="" xmlns:p14="http://schemas.microsoft.com/office/powerpoint/2010/main" val="3421079549"/>
+        <p14:creationId xmlns:p14="http://schemas.microsoft.com/office/powerpoint/2010/main" xmlns="" val="3421079549"/>
       </p:ext>
     </p:extLst>
   </p:cSld>
@@ -664,7 +664,7 @@
           <a:blip r:embed="rId2" cstate="print">
             <a:extLst>
               <a:ext uri="{28A0092B-C50C-407E-A947-70E740481C1C}">
-                <a14:useLocalDpi xmlns="" xmlns:a14="http://schemas.microsoft.com/office/drawing/2010/main" val="0"/>
+                <a14:useLocalDpi xmlns:a14="http://schemas.microsoft.com/office/drawing/2010/main" xmlns="" val="0"/>
               </a:ext>
             </a:extLst>
           </a:blip>
@@ -897,7 +897,7 @@
           <a:blip r:embed="rId3" cstate="print">
             <a:extLst>
               <a:ext uri="{28A0092B-C50C-407E-A947-70E740481C1C}">
-                <a14:useLocalDpi xmlns="" xmlns:a14="http://schemas.microsoft.com/office/drawing/2010/main" val="0"/>
+                <a14:useLocalDpi xmlns:a14="http://schemas.microsoft.com/office/drawing/2010/main" xmlns="" val="0"/>
               </a:ext>
             </a:extLst>
           </a:blip>
@@ -918,7 +918,7 @@
     </p:spTree>
     <p:extLst>
       <p:ext uri="{BB962C8B-B14F-4D97-AF65-F5344CB8AC3E}">
-        <p14:creationId xmlns="" xmlns:p14="http://schemas.microsoft.com/office/powerpoint/2010/main" val="3437848629"/>
+        <p14:creationId xmlns:p14="http://schemas.microsoft.com/office/powerpoint/2010/main" xmlns="" val="3437848629"/>
       </p:ext>
     </p:extLst>
   </p:cSld>
@@ -1152,7 +1152,7 @@
     </p:spTree>
     <p:extLst>
       <p:ext uri="{BB962C8B-B14F-4D97-AF65-F5344CB8AC3E}">
-        <p14:creationId xmlns="" xmlns:p14="http://schemas.microsoft.com/office/powerpoint/2010/main" val="2787258775"/>
+        <p14:creationId xmlns:p14="http://schemas.microsoft.com/office/powerpoint/2010/main" xmlns="" val="2787258775"/>
       </p:ext>
     </p:extLst>
   </p:cSld>
@@ -1326,7 +1326,7 @@
           <a:blip r:embed="rId2" cstate="print">
             <a:extLst>
               <a:ext uri="{28A0092B-C50C-407E-A947-70E740481C1C}">
-                <a14:useLocalDpi xmlns="" xmlns:a14="http://schemas.microsoft.com/office/drawing/2010/main" val="0"/>
+                <a14:useLocalDpi xmlns:a14="http://schemas.microsoft.com/office/drawing/2010/main" xmlns="" val="0"/>
               </a:ext>
             </a:extLst>
           </a:blip>
@@ -1437,7 +1437,7 @@
     </p:spTree>
     <p:extLst>
       <p:ext uri="{BB962C8B-B14F-4D97-AF65-F5344CB8AC3E}">
-        <p14:creationId xmlns="" xmlns:p14="http://schemas.microsoft.com/office/powerpoint/2010/main" val="1258542398"/>
+        <p14:creationId xmlns:p14="http://schemas.microsoft.com/office/powerpoint/2010/main" xmlns="" val="1258542398"/>
       </p:ext>
     </p:extLst>
   </p:cSld>
@@ -1488,7 +1488,7 @@
           <a:blip r:embed="rId5" cstate="print">
             <a:extLst>
               <a:ext uri="{28A0092B-C50C-407E-A947-70E740481C1C}">
-                <a14:useLocalDpi xmlns="" xmlns:a14="http://schemas.microsoft.com/office/drawing/2010/main" val="0"/>
+                <a14:useLocalDpi xmlns:a14="http://schemas.microsoft.com/office/drawing/2010/main" xmlns="" val="0"/>
               </a:ext>
             </a:extLst>
           </a:blip>
@@ -1735,7 +1735,7 @@
           <a:blip r:embed="rId6" cstate="print">
             <a:extLst>
               <a:ext uri="{28A0092B-C50C-407E-A947-70E740481C1C}">
-                <a14:useLocalDpi xmlns="" xmlns:a14="http://schemas.microsoft.com/office/drawing/2010/main" val="0"/>
+                <a14:useLocalDpi xmlns:a14="http://schemas.microsoft.com/office/drawing/2010/main" xmlns="" val="0"/>
               </a:ext>
             </a:extLst>
           </a:blip>
@@ -1755,7 +1755,7 @@
           <a:noFill/>
           <a:extLst>
             <a:ext uri="{909E8E84-426E-40DD-AFC4-6F175D3DCCD1}">
-              <a14:hiddenFill xmlns="" xmlns:a14="http://schemas.microsoft.com/office/drawing/2010/main">
+              <a14:hiddenFill xmlns:a14="http://schemas.microsoft.com/office/drawing/2010/main" xmlns="">
                 <a:solidFill>
                   <a:srgbClr val="FFFFFF"/>
                 </a:solidFill>
@@ -1776,7 +1776,7 @@
           <a:blip r:embed="rId7" cstate="print">
             <a:extLst>
               <a:ext uri="{28A0092B-C50C-407E-A947-70E740481C1C}">
-                <a14:useLocalDpi xmlns="" xmlns:a14="http://schemas.microsoft.com/office/drawing/2010/main" val="0"/>
+                <a14:useLocalDpi xmlns:a14="http://schemas.microsoft.com/office/drawing/2010/main" xmlns="" val="0"/>
               </a:ext>
             </a:extLst>
           </a:blip>
@@ -1796,7 +1796,7 @@
           <a:noFill/>
           <a:extLst>
             <a:ext uri="{909E8E84-426E-40DD-AFC4-6F175D3DCCD1}">
-              <a14:hiddenFill xmlns="" xmlns:a14="http://schemas.microsoft.com/office/drawing/2010/main">
+              <a14:hiddenFill xmlns:a14="http://schemas.microsoft.com/office/drawing/2010/main" xmlns="">
                 <a:solidFill>
                   <a:srgbClr val="FFFFFF"/>
                 </a:solidFill>
@@ -1808,7 +1808,7 @@
     </p:spTree>
     <p:extLst>
       <p:ext uri="{BB962C8B-B14F-4D97-AF65-F5344CB8AC3E}">
-        <p14:creationId xmlns="" xmlns:p14="http://schemas.microsoft.com/office/powerpoint/2010/main" val="359013793"/>
+        <p14:creationId xmlns:p14="http://schemas.microsoft.com/office/powerpoint/2010/main" xmlns="" val="359013793"/>
       </p:ext>
     </p:extLst>
   </p:cSld>
@@ -2212,7 +2212,7 @@
     </p:spTree>
     <p:extLst>
       <p:ext uri="{BB962C8B-B14F-4D97-AF65-F5344CB8AC3E}">
-        <p14:creationId xmlns="" xmlns:p14="http://schemas.microsoft.com/office/powerpoint/2010/main" val="3021424687"/>
+        <p14:creationId xmlns:p14="http://schemas.microsoft.com/office/powerpoint/2010/main" xmlns="" val="3021424687"/>
       </p:ext>
     </p:extLst>
   </p:cSld>
@@ -2382,12 +2382,12 @@
               <a:t>Mettre à jour un </a:t>
             </a:r>
             <a:r>
-              <a:rPr lang="fr-FR" dirty="0" err="1" smtClean="0"/>
-              <a:t>demonstrateur</a:t>
-            </a:r>
-            <a:r>
-              <a:rPr lang="fr-FR" dirty="0" smtClean="0"/>
-              <a:t> sur </a:t>
+              <a:rPr lang="fr-FR" dirty="0" smtClean="0"/>
+              <a:t>démonstrateur </a:t>
+            </a:r>
+            <a:r>
+              <a:rPr lang="fr-FR" dirty="0" smtClean="0"/>
+              <a:t>sur </a:t>
             </a:r>
             <a:r>
               <a:rPr lang="fr-FR" dirty="0" err="1" smtClean="0"/>
@@ -2862,7 +2862,7 @@
         </p:blipFill>
         <p:spPr>
           <a:xfrm>
-            <a:off x="3714744" y="1428736"/>
+            <a:off x="3643306" y="1428736"/>
             <a:ext cx="5108000" cy="4786346"/>
           </a:xfrm>
           <a:prstGeom prst="rect">
@@ -3403,8 +3403,44 @@
             </a:r>
             <a:r>
               <a:rPr lang="fr-FR" dirty="0" smtClean="0"/>
-              <a:t> fait le soir même de la fin du sprint et au début du sprint suivant avec M. Kubicki</a:t>
-            </a:r>
+              <a:t> fait le soir même de la fin du sprint et au début du sprint suivant avec M. </a:t>
+            </a:r>
+            <a:r>
+              <a:rPr lang="fr-FR" dirty="0" err="1" smtClean="0"/>
+              <a:t>Kubicki</a:t>
+            </a:r>
+            <a:endParaRPr lang="fr-FR" dirty="0" smtClean="0"/>
+          </a:p>
+          <a:p>
+            <a:endParaRPr lang="fr-FR" dirty="0" smtClean="0"/>
+          </a:p>
+          <a:p>
+            <a:r>
+              <a:rPr lang="fr-FR" dirty="0" smtClean="0"/>
+              <a:t>Méthode adaptée au projet :</a:t>
+            </a:r>
+          </a:p>
+          <a:p>
+            <a:pPr lvl="1"/>
+            <a:r>
+              <a:rPr lang="fr-FR" dirty="0" smtClean="0"/>
+              <a:t>4 Sprints</a:t>
+            </a:r>
+          </a:p>
+          <a:p>
+            <a:pPr lvl="1"/>
+            <a:r>
+              <a:rPr lang="fr-FR" dirty="0" smtClean="0"/>
+              <a:t>1 Sprint = 3 jours</a:t>
+            </a:r>
+          </a:p>
+          <a:p>
+            <a:pPr lvl="1"/>
+            <a:r>
+              <a:rPr lang="fr-FR" dirty="0" smtClean="0"/>
+              <a:t>1 jour est de 6h</a:t>
+            </a:r>
+            <a:endParaRPr lang="fr-FR" dirty="0" smtClean="0"/>
           </a:p>
         </p:txBody>
       </p:sp>
@@ -4032,6 +4068,66 @@
           </a:effectLst>
         </p:spPr>
       </p:pic>
+      <p:sp>
+        <p:nvSpPr>
+          <p:cNvPr id="10" name="ZoneTexte 9"/>
+          <p:cNvSpPr txBox="1"/>
+          <p:nvPr/>
+        </p:nvSpPr>
+        <p:spPr>
+          <a:xfrm>
+            <a:off x="2000232" y="3000372"/>
+            <a:ext cx="928694" cy="369332"/>
+          </a:xfrm>
+          <a:prstGeom prst="rect">
+            <a:avLst/>
+          </a:prstGeom>
+          <a:noFill/>
+        </p:spPr>
+        <p:txBody>
+          <a:bodyPr wrap="square" rtlCol="0">
+            <a:spAutoFit/>
+          </a:bodyPr>
+          <a:lstStyle/>
+          <a:p>
+            <a:r>
+              <a:rPr lang="fr-FR" dirty="0" smtClean="0"/>
+              <a:t>Sprint 1</a:t>
+            </a:r>
+            <a:endParaRPr lang="fr-FR" dirty="0"/>
+          </a:p>
+        </p:txBody>
+      </p:sp>
+      <p:sp>
+        <p:nvSpPr>
+          <p:cNvPr id="11" name="ZoneTexte 10"/>
+          <p:cNvSpPr txBox="1"/>
+          <p:nvPr/>
+        </p:nvSpPr>
+        <p:spPr>
+          <a:xfrm>
+            <a:off x="6286512" y="3000372"/>
+            <a:ext cx="928694" cy="369332"/>
+          </a:xfrm>
+          <a:prstGeom prst="rect">
+            <a:avLst/>
+          </a:prstGeom>
+          <a:noFill/>
+        </p:spPr>
+        <p:txBody>
+          <a:bodyPr wrap="square" rtlCol="0">
+            <a:spAutoFit/>
+          </a:bodyPr>
+          <a:lstStyle/>
+          <a:p>
+            <a:r>
+              <a:rPr lang="fr-FR" dirty="0" smtClean="0"/>
+              <a:t>Sprint 2</a:t>
+            </a:r>
+            <a:endParaRPr lang="fr-FR" dirty="0"/>
+          </a:p>
+        </p:txBody>
+      </p:sp>
     </p:spTree>
   </p:cSld>
   <p:clrMapOvr>

--- a/Soutenance/modele-ENIB-2010.pptx
+++ b/Soutenance/modele-ENIB-2010.pptx
@@ -5,10 +5,10 @@
     <p:sldMasterId id="2147483648" r:id="rId1"/>
   </p:sldMasterIdLst>
   <p:notesMasterIdLst>
-    <p:notesMasterId r:id="rId11"/>
+    <p:notesMasterId r:id="rId12"/>
   </p:notesMasterIdLst>
   <p:handoutMasterIdLst>
-    <p:handoutMasterId r:id="rId12"/>
+    <p:handoutMasterId r:id="rId13"/>
   </p:handoutMasterIdLst>
   <p:sldIdLst>
     <p:sldId id="256" r:id="rId2"/>
@@ -18,8 +18,9 @@
     <p:sldId id="260" r:id="rId6"/>
     <p:sldId id="261" r:id="rId7"/>
     <p:sldId id="264" r:id="rId8"/>
-    <p:sldId id="265" r:id="rId9"/>
-    <p:sldId id="262" r:id="rId10"/>
+    <p:sldId id="267" r:id="rId9"/>
+    <p:sldId id="265" r:id="rId10"/>
+    <p:sldId id="262" r:id="rId11"/>
   </p:sldIdLst>
   <p:sldSz cx="9144000" cy="6858000" type="screen4x3"/>
   <p:notesSz cx="6858000" cy="9144000"/>
@@ -204,7 +205,7 @@
             <a:fld id="{5ECB992F-91B5-4022-AF93-95881C5AB9E1}" type="datetimeFigureOut">
               <a:rPr lang="fr-FR" smtClean="0"/>
               <a:pPr/>
-              <a:t>05/12/2014</a:t>
+              <a:t>10/12/2014</a:t>
             </a:fld>
             <a:endParaRPr lang="fr-FR"/>
           </a:p>
@@ -366,7 +367,7 @@
             <a:fld id="{45614D67-FB5A-41CD-AA44-96A5D3AA3B19}" type="datetimeFigureOut">
               <a:rPr lang="fr-FR" smtClean="0"/>
               <a:pPr/>
-              <a:t>05/12/2014</a:t>
+              <a:t>10/12/2014</a:t>
             </a:fld>
             <a:endParaRPr lang="fr-FR"/>
           </a:p>
@@ -535,7 +536,7 @@
     </p:spTree>
     <p:extLst>
       <p:ext uri="{BB962C8B-B14F-4D97-AF65-F5344CB8AC3E}">
-        <p14:creationId xmlns:p14="http://schemas.microsoft.com/office/powerpoint/2010/main" xmlns="" val="3421079549"/>
+        <p14:creationId xmlns="" xmlns:p14="http://schemas.microsoft.com/office/powerpoint/2010/main" val="3421079549"/>
       </p:ext>
     </p:extLst>
   </p:cSld>
@@ -664,7 +665,7 @@
           <a:blip r:embed="rId2" cstate="print">
             <a:extLst>
               <a:ext uri="{28A0092B-C50C-407E-A947-70E740481C1C}">
-                <a14:useLocalDpi xmlns:a14="http://schemas.microsoft.com/office/drawing/2010/main" xmlns="" val="0"/>
+                <a14:useLocalDpi xmlns="" xmlns:a14="http://schemas.microsoft.com/office/drawing/2010/main" val="0"/>
               </a:ext>
             </a:extLst>
           </a:blip>
@@ -897,7 +898,7 @@
           <a:blip r:embed="rId3" cstate="print">
             <a:extLst>
               <a:ext uri="{28A0092B-C50C-407E-A947-70E740481C1C}">
-                <a14:useLocalDpi xmlns:a14="http://schemas.microsoft.com/office/drawing/2010/main" xmlns="" val="0"/>
+                <a14:useLocalDpi xmlns="" xmlns:a14="http://schemas.microsoft.com/office/drawing/2010/main" val="0"/>
               </a:ext>
             </a:extLst>
           </a:blip>
@@ -918,7 +919,7 @@
     </p:spTree>
     <p:extLst>
       <p:ext uri="{BB962C8B-B14F-4D97-AF65-F5344CB8AC3E}">
-        <p14:creationId xmlns:p14="http://schemas.microsoft.com/office/powerpoint/2010/main" xmlns="" val="3437848629"/>
+        <p14:creationId xmlns="" xmlns:p14="http://schemas.microsoft.com/office/powerpoint/2010/main" val="3437848629"/>
       </p:ext>
     </p:extLst>
   </p:cSld>
@@ -1152,7 +1153,7 @@
     </p:spTree>
     <p:extLst>
       <p:ext uri="{BB962C8B-B14F-4D97-AF65-F5344CB8AC3E}">
-        <p14:creationId xmlns:p14="http://schemas.microsoft.com/office/powerpoint/2010/main" xmlns="" val="2787258775"/>
+        <p14:creationId xmlns="" xmlns:p14="http://schemas.microsoft.com/office/powerpoint/2010/main" val="2787258775"/>
       </p:ext>
     </p:extLst>
   </p:cSld>
@@ -1326,7 +1327,7 @@
           <a:blip r:embed="rId2" cstate="print">
             <a:extLst>
               <a:ext uri="{28A0092B-C50C-407E-A947-70E740481C1C}">
-                <a14:useLocalDpi xmlns:a14="http://schemas.microsoft.com/office/drawing/2010/main" xmlns="" val="0"/>
+                <a14:useLocalDpi xmlns="" xmlns:a14="http://schemas.microsoft.com/office/drawing/2010/main" val="0"/>
               </a:ext>
             </a:extLst>
           </a:blip>
@@ -1437,7 +1438,7 @@
     </p:spTree>
     <p:extLst>
       <p:ext uri="{BB962C8B-B14F-4D97-AF65-F5344CB8AC3E}">
-        <p14:creationId xmlns:p14="http://schemas.microsoft.com/office/powerpoint/2010/main" xmlns="" val="1258542398"/>
+        <p14:creationId xmlns="" xmlns:p14="http://schemas.microsoft.com/office/powerpoint/2010/main" val="1258542398"/>
       </p:ext>
     </p:extLst>
   </p:cSld>
@@ -1488,7 +1489,7 @@
           <a:blip r:embed="rId5" cstate="print">
             <a:extLst>
               <a:ext uri="{28A0092B-C50C-407E-A947-70E740481C1C}">
-                <a14:useLocalDpi xmlns:a14="http://schemas.microsoft.com/office/drawing/2010/main" xmlns="" val="0"/>
+                <a14:useLocalDpi xmlns="" xmlns:a14="http://schemas.microsoft.com/office/drawing/2010/main" val="0"/>
               </a:ext>
             </a:extLst>
           </a:blip>
@@ -1735,7 +1736,7 @@
           <a:blip r:embed="rId6" cstate="print">
             <a:extLst>
               <a:ext uri="{28A0092B-C50C-407E-A947-70E740481C1C}">
-                <a14:useLocalDpi xmlns:a14="http://schemas.microsoft.com/office/drawing/2010/main" xmlns="" val="0"/>
+                <a14:useLocalDpi xmlns="" xmlns:a14="http://schemas.microsoft.com/office/drawing/2010/main" val="0"/>
               </a:ext>
             </a:extLst>
           </a:blip>
@@ -1755,7 +1756,7 @@
           <a:noFill/>
           <a:extLst>
             <a:ext uri="{909E8E84-426E-40DD-AFC4-6F175D3DCCD1}">
-              <a14:hiddenFill xmlns:a14="http://schemas.microsoft.com/office/drawing/2010/main" xmlns="">
+              <a14:hiddenFill xmlns="" xmlns:a14="http://schemas.microsoft.com/office/drawing/2010/main">
                 <a:solidFill>
                   <a:srgbClr val="FFFFFF"/>
                 </a:solidFill>
@@ -1776,7 +1777,7 @@
           <a:blip r:embed="rId7" cstate="print">
             <a:extLst>
               <a:ext uri="{28A0092B-C50C-407E-A947-70E740481C1C}">
-                <a14:useLocalDpi xmlns:a14="http://schemas.microsoft.com/office/drawing/2010/main" xmlns="" val="0"/>
+                <a14:useLocalDpi xmlns="" xmlns:a14="http://schemas.microsoft.com/office/drawing/2010/main" val="0"/>
               </a:ext>
             </a:extLst>
           </a:blip>
@@ -1796,7 +1797,7 @@
           <a:noFill/>
           <a:extLst>
             <a:ext uri="{909E8E84-426E-40DD-AFC4-6F175D3DCCD1}">
-              <a14:hiddenFill xmlns:a14="http://schemas.microsoft.com/office/drawing/2010/main" xmlns="">
+              <a14:hiddenFill xmlns="" xmlns:a14="http://schemas.microsoft.com/office/drawing/2010/main">
                 <a:solidFill>
                   <a:srgbClr val="FFFFFF"/>
                 </a:solidFill>
@@ -1808,7 +1809,7 @@
     </p:spTree>
     <p:extLst>
       <p:ext uri="{BB962C8B-B14F-4D97-AF65-F5344CB8AC3E}">
-        <p14:creationId xmlns:p14="http://schemas.microsoft.com/office/powerpoint/2010/main" xmlns="" val="359013793"/>
+        <p14:creationId xmlns="" xmlns:p14="http://schemas.microsoft.com/office/powerpoint/2010/main" val="359013793"/>
       </p:ext>
     </p:extLst>
   </p:cSld>
@@ -2212,9 +2213,243 @@
     </p:spTree>
     <p:extLst>
       <p:ext uri="{BB962C8B-B14F-4D97-AF65-F5344CB8AC3E}">
-        <p14:creationId xmlns:p14="http://schemas.microsoft.com/office/powerpoint/2010/main" xmlns="" val="3021424687"/>
+        <p14:creationId xmlns="" xmlns:p14="http://schemas.microsoft.com/office/powerpoint/2010/main" val="3021424687"/>
       </p:ext>
     </p:extLst>
+  </p:cSld>
+  <p:clrMapOvr>
+    <a:masterClrMapping/>
+  </p:clrMapOvr>
+  <p:timing>
+    <p:tnLst>
+      <p:par>
+        <p:cTn id="1" dur="indefinite" restart="never" nodeType="tmRoot"/>
+      </p:par>
+    </p:tnLst>
+  </p:timing>
+</p:sld>
+</file>
+
+<file path=ppt/slides/slide10.xml><?xml version="1.0" encoding="utf-8"?>
+<p:sld xmlns:a="http://schemas.openxmlformats.org/drawingml/2006/main" xmlns:r="http://schemas.openxmlformats.org/officeDocument/2006/relationships" xmlns:p="http://schemas.openxmlformats.org/presentationml/2006/main">
+  <p:cSld>
+    <p:spTree>
+      <p:nvGrpSpPr>
+        <p:cNvPr id="1" name=""/>
+        <p:cNvGrpSpPr/>
+        <p:nvPr/>
+      </p:nvGrpSpPr>
+      <p:grpSpPr>
+        <a:xfrm>
+          <a:off x="0" y="0"/>
+          <a:ext cx="0" cy="0"/>
+          <a:chOff x="0" y="0"/>
+          <a:chExt cx="0" cy="0"/>
+        </a:xfrm>
+      </p:grpSpPr>
+      <p:pic>
+        <p:nvPicPr>
+          <p:cNvPr id="8" name="Espace réservé du contenu 7" descr="avion_propre.jpg"/>
+          <p:cNvPicPr>
+            <a:picLocks noGrp="1" noChangeAspect="1"/>
+          </p:cNvPicPr>
+          <p:nvPr>
+            <p:ph idx="1"/>
+          </p:nvPr>
+        </p:nvPicPr>
+        <p:blipFill>
+          <a:blip r:embed="rId2" cstate="print"/>
+          <a:stretch>
+            <a:fillRect/>
+          </a:stretch>
+        </p:blipFill>
+        <p:spPr>
+          <a:xfrm>
+            <a:off x="4786314" y="3143248"/>
+            <a:ext cx="3898900" cy="2287546"/>
+          </a:xfrm>
+          <a:prstGeom prst="roundRect">
+            <a:avLst>
+              <a:gd name="adj" fmla="val 8594"/>
+            </a:avLst>
+          </a:prstGeom>
+          <a:solidFill>
+            <a:srgbClr val="FFFFFF">
+              <a:shade val="85000"/>
+            </a:srgbClr>
+          </a:solidFill>
+          <a:ln>
+            <a:noFill/>
+          </a:ln>
+          <a:effectLst>
+            <a:reflection blurRad="12700" stA="38000" endPos="28000" dist="5000" dir="5400000" sy="-100000" algn="bl" rotWithShape="0"/>
+          </a:effectLst>
+        </p:spPr>
+      </p:pic>
+      <p:sp>
+        <p:nvSpPr>
+          <p:cNvPr id="3" name="Espace réservé de la date 2"/>
+          <p:cNvSpPr>
+            <a:spLocks noGrp="1"/>
+          </p:cNvSpPr>
+          <p:nvPr>
+            <p:ph type="dt" sz="half" idx="10"/>
+          </p:nvPr>
+        </p:nvSpPr>
+        <p:spPr/>
+        <p:txBody>
+          <a:bodyPr/>
+          <a:lstStyle/>
+          <a:p>
+            <a:r>
+              <a:rPr lang="fr-FR" smtClean="0"/>
+              <a:t>Brest, le 10 décembre 2014</a:t>
+            </a:r>
+            <a:endParaRPr lang="fr-FR" dirty="0"/>
+          </a:p>
+        </p:txBody>
+      </p:sp>
+      <p:sp>
+        <p:nvSpPr>
+          <p:cNvPr id="4" name="Espace réservé du pied de page 3"/>
+          <p:cNvSpPr>
+            <a:spLocks noGrp="1"/>
+          </p:cNvSpPr>
+          <p:nvPr>
+            <p:ph type="ftr" sz="quarter" idx="11"/>
+          </p:nvPr>
+        </p:nvSpPr>
+        <p:spPr/>
+        <p:txBody>
+          <a:bodyPr/>
+          <a:lstStyle/>
+          <a:p>
+            <a:r>
+              <a:rPr lang="fr-FR" smtClean="0"/>
+              <a:t>f0larvor@enib.fr, v0bodere@enib.fr, t2riou@enib.fr</a:t>
+            </a:r>
+            <a:endParaRPr lang="fr-FR" dirty="0"/>
+          </a:p>
+        </p:txBody>
+      </p:sp>
+      <p:sp>
+        <p:nvSpPr>
+          <p:cNvPr id="5" name="Espace réservé du numéro de diapositive 4"/>
+          <p:cNvSpPr>
+            <a:spLocks noGrp="1"/>
+          </p:cNvSpPr>
+          <p:nvPr>
+            <p:ph type="sldNum" sz="quarter" idx="12"/>
+          </p:nvPr>
+        </p:nvSpPr>
+        <p:spPr/>
+        <p:txBody>
+          <a:bodyPr/>
+          <a:lstStyle/>
+          <a:p>
+            <a:fld id="{E68024BB-FA0E-4BF2-8AAC-263A34C92FE0}" type="slidenum">
+              <a:rPr lang="fr-FR" smtClean="0"/>
+              <a:pPr/>
+              <a:t>10</a:t>
+            </a:fld>
+            <a:endParaRPr lang="fr-FR" dirty="0"/>
+          </a:p>
+        </p:txBody>
+      </p:sp>
+      <p:sp>
+        <p:nvSpPr>
+          <p:cNvPr id="6" name="Titre 5"/>
+          <p:cNvSpPr>
+            <a:spLocks noGrp="1"/>
+          </p:cNvSpPr>
+          <p:nvPr>
+            <p:ph type="title"/>
+          </p:nvPr>
+        </p:nvSpPr>
+        <p:spPr/>
+        <p:txBody>
+          <a:bodyPr/>
+          <a:lstStyle/>
+          <a:p>
+            <a:r>
+              <a:rPr lang="fr-FR" dirty="0" smtClean="0"/>
+              <a:t>Conclusion</a:t>
+            </a:r>
+            <a:endParaRPr lang="fr-FR" dirty="0"/>
+          </a:p>
+        </p:txBody>
+      </p:sp>
+      <p:sp>
+        <p:nvSpPr>
+          <p:cNvPr id="7" name="Espace réservé du texte 6"/>
+          <p:cNvSpPr>
+            <a:spLocks noGrp="1"/>
+          </p:cNvSpPr>
+          <p:nvPr>
+            <p:ph type="body" sz="quarter" idx="14"/>
+          </p:nvPr>
+        </p:nvSpPr>
+        <p:spPr/>
+        <p:txBody>
+          <a:bodyPr/>
+          <a:lstStyle/>
+          <a:p>
+            <a:r>
+              <a:rPr lang="fr-FR" dirty="0" smtClean="0"/>
+              <a:t>4</a:t>
+            </a:r>
+            <a:r>
+              <a:rPr lang="fr-FR" dirty="0" smtClean="0"/>
+              <a:t> </a:t>
+            </a:r>
+            <a:r>
+              <a:rPr lang="fr-FR" dirty="0" smtClean="0"/>
+              <a:t>releases : 2 tutoriels et 2 applications</a:t>
+            </a:r>
+          </a:p>
+          <a:p>
+            <a:endParaRPr lang="fr-FR" dirty="0" smtClean="0"/>
+          </a:p>
+          <a:p>
+            <a:r>
+              <a:rPr lang="fr-FR" dirty="0" smtClean="0"/>
+              <a:t>Bonne organisation grâce à la méthodologie Scrum</a:t>
+            </a:r>
+          </a:p>
+          <a:p>
+            <a:endParaRPr lang="fr-FR" dirty="0" smtClean="0"/>
+          </a:p>
+          <a:p>
+            <a:r>
+              <a:rPr lang="fr-FR" dirty="0" smtClean="0"/>
+              <a:t>Charge de travail </a:t>
+            </a:r>
+            <a:r>
+              <a:rPr lang="fr-FR" dirty="0" smtClean="0"/>
+              <a:t>inférieure </a:t>
+            </a:r>
+            <a:r>
+              <a:rPr lang="fr-FR" dirty="0" smtClean="0"/>
+              <a:t>à la durée </a:t>
+            </a:r>
+            <a:r>
+              <a:rPr lang="fr-FR" dirty="0" smtClean="0"/>
+              <a:t>initiale </a:t>
+            </a:r>
+            <a:r>
+              <a:rPr lang="fr-FR" dirty="0" smtClean="0"/>
+              <a:t>du projet</a:t>
+            </a:r>
+          </a:p>
+          <a:p>
+            <a:endParaRPr lang="fr-FR" dirty="0" smtClean="0"/>
+          </a:p>
+          <a:p>
+            <a:endParaRPr lang="fr-FR" dirty="0"/>
+          </a:p>
+        </p:txBody>
+      </p:sp>
+    </p:spTree>
   </p:cSld>
   <p:clrMapOvr>
     <a:masterClrMapping/>
@@ -2382,20 +2617,12 @@
               <a:t>Mettre à jour un </a:t>
             </a:r>
             <a:r>
-              <a:rPr lang="fr-FR" dirty="0" err="1" smtClean="0"/>
-              <a:t>demonstrateur</a:t>
-            </a:r>
-            <a:r>
-              <a:rPr lang="fr-FR" dirty="0" smtClean="0"/>
-              <a:t> sur </a:t>
-            </a:r>
-            <a:r>
-              <a:rPr lang="fr-FR" dirty="0" err="1" smtClean="0"/>
-              <a:t>PixelSense</a:t>
-            </a:r>
-            <a:r>
-              <a:rPr lang="fr-FR" dirty="0" smtClean="0"/>
-              <a:t> SUR40 rajoutant une interaction avec des objets tangibles</a:t>
+              <a:rPr lang="fr-FR" dirty="0" smtClean="0"/>
+              <a:t>démonstrateur </a:t>
+            </a:r>
+            <a:r>
+              <a:rPr lang="fr-FR" dirty="0" smtClean="0"/>
+              <a:t>sur PixelSense SUR40 rajoutant une interaction avec des objets tangibles</a:t>
             </a:r>
             <a:endParaRPr lang="fr-FR" dirty="0"/>
           </a:p>
@@ -2810,8 +3037,13 @@
           <a:p>
             <a:r>
               <a:rPr lang="fr-FR" dirty="0" smtClean="0"/>
-              <a:t>Sprint 0 : Découverte matériel</a:t>
-            </a:r>
+              <a:t>Sprint 0 : Découverte </a:t>
+            </a:r>
+            <a:r>
+              <a:rPr lang="fr-FR" dirty="0" smtClean="0"/>
+              <a:t>matérielle</a:t>
+            </a:r>
+            <a:endParaRPr lang="fr-FR" dirty="0" smtClean="0"/>
           </a:p>
           <a:p>
             <a:endParaRPr lang="fr-FR" dirty="0" smtClean="0"/>
@@ -3689,8 +3921,13 @@
           <a:p>
             <a:r>
               <a:rPr lang="fr-FR" dirty="0" smtClean="0"/>
-              <a:t>Répartition du travail plus claires</a:t>
-            </a:r>
+              <a:t>Répartition du travail plus </a:t>
+            </a:r>
+            <a:r>
+              <a:rPr lang="fr-FR" dirty="0" smtClean="0"/>
+              <a:t>claire</a:t>
+            </a:r>
+            <a:endParaRPr lang="fr-FR" dirty="0" smtClean="0"/>
           </a:p>
           <a:p>
             <a:endParaRPr lang="fr-FR" dirty="0" smtClean="0"/>
@@ -3851,171 +4088,24 @@
           </a:p>
         </p:txBody>
       </p:sp>
-      <p:sp>
-        <p:nvSpPr>
-          <p:cNvPr id="6" name="Titre 5"/>
-          <p:cNvSpPr>
-            <a:spLocks noGrp="1"/>
-          </p:cNvSpPr>
-          <p:nvPr>
-            <p:ph type="title"/>
-          </p:nvPr>
-        </p:nvSpPr>
-        <p:spPr/>
-        <p:txBody>
-          <a:bodyPr/>
-          <a:lstStyle/>
-          <a:p>
-            <a:r>
-              <a:rPr lang="fr-FR" dirty="0" err="1" smtClean="0"/>
-              <a:t>Kanban</a:t>
-            </a:r>
-            <a:r>
-              <a:rPr lang="fr-FR" dirty="0" smtClean="0"/>
-              <a:t> et </a:t>
-            </a:r>
-            <a:r>
-              <a:rPr lang="fr-FR" dirty="0" err="1" smtClean="0"/>
-              <a:t>Burndown</a:t>
-            </a:r>
-            <a:r>
-              <a:rPr lang="fr-FR" dirty="0" smtClean="0"/>
-              <a:t> </a:t>
-            </a:r>
-            <a:r>
-              <a:rPr lang="fr-FR" dirty="0" err="1" smtClean="0"/>
-              <a:t>Chart</a:t>
-            </a:r>
-            <a:endParaRPr lang="fr-FR" dirty="0"/>
-          </a:p>
-        </p:txBody>
-      </p:sp>
       <p:pic>
         <p:nvPicPr>
-          <p:cNvPr id="14" name="Espace réservé du contenu 13" descr="PixelSense_Sprint1_End_Burndown_Riou.jpg"/>
-          <p:cNvPicPr>
-            <a:picLocks noGrp="1" noChangeAspect="1"/>
-          </p:cNvPicPr>
-          <p:nvPr>
-            <p:ph idx="1"/>
-          </p:nvPr>
-        </p:nvPicPr>
-        <p:blipFill>
-          <a:blip r:embed="rId2" cstate="print"/>
-          <a:srcRect l="7329" r="10219" b="14495"/>
-          <a:stretch>
-            <a:fillRect/>
-          </a:stretch>
-        </p:blipFill>
-        <p:spPr>
-          <a:xfrm>
-            <a:off x="1000100" y="3429000"/>
-            <a:ext cx="3214710" cy="2500330"/>
-          </a:xfrm>
-          <a:prstGeom prst="rect">
-            <a:avLst/>
-          </a:prstGeom>
-          <a:ln>
-            <a:noFill/>
-          </a:ln>
-          <a:effectLst>
-            <a:outerShdw blurRad="292100" dist="139700" dir="2700000" algn="tl" rotWithShape="0">
-              <a:srgbClr val="333333">
-                <a:alpha val="65000"/>
-              </a:srgbClr>
-            </a:outerShdw>
-          </a:effectLst>
-        </p:spPr>
-      </p:pic>
-      <p:pic>
-        <p:nvPicPr>
-          <p:cNvPr id="15" name="Image 14" descr="PixelSense_Sprint2_Daily3_Burndown_Larvor.jpg"/>
+          <p:cNvPr id="13" name="Image 12" descr="retrospective.jpg"/>
           <p:cNvPicPr>
             <a:picLocks noChangeAspect="1"/>
           </p:cNvPicPr>
           <p:nvPr/>
         </p:nvPicPr>
         <p:blipFill>
-          <a:blip r:embed="rId3" cstate="print"/>
-          <a:srcRect l="17105" t="8772" r="22368" b="26315"/>
+          <a:blip r:embed="rId2"/>
           <a:stretch>
             <a:fillRect/>
           </a:stretch>
         </p:blipFill>
         <p:spPr>
           <a:xfrm>
-            <a:off x="5000628" y="3429000"/>
-            <a:ext cx="3286148" cy="2643206"/>
-          </a:xfrm>
-          <a:prstGeom prst="rect">
-            <a:avLst/>
-          </a:prstGeom>
-          <a:ln>
-            <a:noFill/>
-          </a:ln>
-          <a:effectLst>
-            <a:outerShdw blurRad="292100" dist="139700" dir="2700000" algn="tl" rotWithShape="0">
-              <a:srgbClr val="333333">
-                <a:alpha val="65000"/>
-              </a:srgbClr>
-            </a:outerShdw>
-          </a:effectLst>
-        </p:spPr>
-      </p:pic>
-      <p:pic>
-        <p:nvPicPr>
-          <p:cNvPr id="16" name="Image 15" descr="PixelSense_Sprint1_End_Kanban_Riou.jpg"/>
-          <p:cNvPicPr>
-            <a:picLocks noChangeAspect="1"/>
-          </p:cNvPicPr>
-          <p:nvPr/>
-        </p:nvPicPr>
-        <p:blipFill>
-          <a:blip r:embed="rId4" cstate="print"/>
-          <a:srcRect t="2083" r="6249" b="50000"/>
-          <a:stretch>
-            <a:fillRect/>
-          </a:stretch>
-        </p:blipFill>
-        <p:spPr>
-          <a:xfrm>
-            <a:off x="642910" y="1428736"/>
-            <a:ext cx="3857652" cy="1478767"/>
-          </a:xfrm>
-          <a:prstGeom prst="rect">
-            <a:avLst/>
-          </a:prstGeom>
-          <a:ln>
-            <a:noFill/>
-          </a:ln>
-          <a:effectLst>
-            <a:outerShdw blurRad="292100" dist="139700" dir="2700000" algn="tl" rotWithShape="0">
-              <a:srgbClr val="333333">
-                <a:alpha val="65000"/>
-              </a:srgbClr>
-            </a:outerShdw>
-          </a:effectLst>
-        </p:spPr>
-      </p:pic>
-      <p:pic>
-        <p:nvPicPr>
-          <p:cNvPr id="17" name="Image 16" descr="PixelSense_Sprint2_End_Kanban_Larvor.jpg"/>
-          <p:cNvPicPr>
-            <a:picLocks noChangeAspect="1"/>
-          </p:cNvPicPr>
-          <p:nvPr/>
-        </p:nvPicPr>
-        <p:blipFill>
-          <a:blip r:embed="rId5" cstate="print"/>
-          <a:srcRect l="1887" t="15095" r="7546" b="42138"/>
-          <a:stretch>
-            <a:fillRect/>
-          </a:stretch>
-        </p:blipFill>
-        <p:spPr>
-          <a:xfrm>
-            <a:off x="4786314" y="1428736"/>
-            <a:ext cx="4034146" cy="1428760"/>
+            <a:off x="2571736" y="571480"/>
+            <a:ext cx="4857784" cy="5358494"/>
           </a:xfrm>
           <a:prstGeom prst="rect">
             <a:avLst/>
@@ -4064,9 +4154,118 @@
           <a:chExt cx="0" cy="0"/>
         </a:xfrm>
       </p:grpSpPr>
+      <p:sp>
+        <p:nvSpPr>
+          <p:cNvPr id="3" name="Espace réservé de la date 2"/>
+          <p:cNvSpPr>
+            <a:spLocks noGrp="1"/>
+          </p:cNvSpPr>
+          <p:nvPr>
+            <p:ph type="dt" sz="half" idx="10"/>
+          </p:nvPr>
+        </p:nvSpPr>
+        <p:spPr/>
+        <p:txBody>
+          <a:bodyPr/>
+          <a:lstStyle/>
+          <a:p>
+            <a:r>
+              <a:rPr lang="fr-FR" smtClean="0"/>
+              <a:t>Brest, le 10 décembre 2014</a:t>
+            </a:r>
+            <a:endParaRPr lang="fr-FR" dirty="0"/>
+          </a:p>
+        </p:txBody>
+      </p:sp>
+      <p:sp>
+        <p:nvSpPr>
+          <p:cNvPr id="4" name="Espace réservé du pied de page 3"/>
+          <p:cNvSpPr>
+            <a:spLocks noGrp="1"/>
+          </p:cNvSpPr>
+          <p:nvPr>
+            <p:ph type="ftr" sz="quarter" idx="11"/>
+          </p:nvPr>
+        </p:nvSpPr>
+        <p:spPr/>
+        <p:txBody>
+          <a:bodyPr/>
+          <a:lstStyle/>
+          <a:p>
+            <a:r>
+              <a:rPr lang="fr-FR" smtClean="0"/>
+              <a:t>f0larvor@enib.fr, v0bodere@enib.fr, t2riou@enib.fr</a:t>
+            </a:r>
+            <a:endParaRPr lang="fr-FR" dirty="0"/>
+          </a:p>
+        </p:txBody>
+      </p:sp>
+      <p:sp>
+        <p:nvSpPr>
+          <p:cNvPr id="5" name="Espace réservé du numéro de diapositive 4"/>
+          <p:cNvSpPr>
+            <a:spLocks noGrp="1"/>
+          </p:cNvSpPr>
+          <p:nvPr>
+            <p:ph type="sldNum" sz="quarter" idx="12"/>
+          </p:nvPr>
+        </p:nvSpPr>
+        <p:spPr/>
+        <p:txBody>
+          <a:bodyPr/>
+          <a:lstStyle/>
+          <a:p>
+            <a:fld id="{E68024BB-FA0E-4BF2-8AAC-263A34C92FE0}" type="slidenum">
+              <a:rPr lang="fr-FR" smtClean="0"/>
+              <a:pPr/>
+              <a:t>9</a:t>
+            </a:fld>
+            <a:endParaRPr lang="fr-FR" dirty="0"/>
+          </a:p>
+        </p:txBody>
+      </p:sp>
+      <p:sp>
+        <p:nvSpPr>
+          <p:cNvPr id="6" name="Titre 5"/>
+          <p:cNvSpPr>
+            <a:spLocks noGrp="1"/>
+          </p:cNvSpPr>
+          <p:nvPr>
+            <p:ph type="title"/>
+          </p:nvPr>
+        </p:nvSpPr>
+        <p:spPr/>
+        <p:txBody>
+          <a:bodyPr/>
+          <a:lstStyle/>
+          <a:p>
+            <a:r>
+              <a:rPr lang="fr-FR" dirty="0" err="1" smtClean="0"/>
+              <a:t>Kanban</a:t>
+            </a:r>
+            <a:r>
+              <a:rPr lang="fr-FR" dirty="0" smtClean="0"/>
+              <a:t> et </a:t>
+            </a:r>
+            <a:r>
+              <a:rPr lang="fr-FR" dirty="0" err="1" smtClean="0"/>
+              <a:t>Burndown</a:t>
+            </a:r>
+            <a:r>
+              <a:rPr lang="fr-FR" dirty="0" smtClean="0"/>
+              <a:t> </a:t>
+            </a:r>
+            <a:r>
+              <a:rPr lang="fr-FR" dirty="0" err="1" smtClean="0"/>
+              <a:t>Chart</a:t>
+            </a:r>
+            <a:endParaRPr lang="fr-FR" dirty="0"/>
+          </a:p>
+        </p:txBody>
+      </p:sp>
       <p:pic>
         <p:nvPicPr>
-          <p:cNvPr id="8" name="Espace réservé du contenu 7" descr="avion_propre.jpg"/>
+          <p:cNvPr id="14" name="Espace réservé du contenu 13" descr="PixelSense_Sprint1_End_Burndown_Riou.jpg"/>
           <p:cNvPicPr>
             <a:picLocks noGrp="1" noChangeAspect="1"/>
           </p:cNvPicPr>
@@ -4076,169 +4275,201 @@
         </p:nvPicPr>
         <p:blipFill>
           <a:blip r:embed="rId2" cstate="print"/>
+          <a:srcRect l="7329" r="10219" b="14495"/>
           <a:stretch>
             <a:fillRect/>
           </a:stretch>
         </p:blipFill>
         <p:spPr>
           <a:xfrm>
-            <a:off x="4786314" y="1428736"/>
-            <a:ext cx="3898900" cy="2287546"/>
-          </a:xfrm>
-          <a:prstGeom prst="roundRect">
-            <a:avLst>
-              <a:gd name="adj" fmla="val 8594"/>
-            </a:avLst>
+            <a:off x="1000100" y="3429000"/>
+            <a:ext cx="3214710" cy="2500330"/>
+          </a:xfrm>
+          <a:prstGeom prst="rect">
+            <a:avLst/>
           </a:prstGeom>
-          <a:solidFill>
-            <a:srgbClr val="FFFFFF">
-              <a:shade val="85000"/>
-            </a:srgbClr>
-          </a:solidFill>
           <a:ln>
             <a:noFill/>
           </a:ln>
           <a:effectLst>
-            <a:reflection blurRad="12700" stA="38000" endPos="28000" dist="5000" dir="5400000" sy="-100000" algn="bl" rotWithShape="0"/>
+            <a:outerShdw blurRad="292100" dist="139700" dir="2700000" algn="tl" rotWithShape="0">
+              <a:srgbClr val="333333">
+                <a:alpha val="65000"/>
+              </a:srgbClr>
+            </a:outerShdw>
           </a:effectLst>
         </p:spPr>
       </p:pic>
-      <p:sp>
-        <p:nvSpPr>
-          <p:cNvPr id="3" name="Espace réservé de la date 2"/>
-          <p:cNvSpPr>
-            <a:spLocks noGrp="1"/>
-          </p:cNvSpPr>
-          <p:nvPr>
-            <p:ph type="dt" sz="half" idx="10"/>
-          </p:nvPr>
-        </p:nvSpPr>
-        <p:spPr/>
-        <p:txBody>
-          <a:bodyPr/>
-          <a:lstStyle/>
-          <a:p>
-            <a:r>
-              <a:rPr lang="fr-FR" smtClean="0"/>
-              <a:t>Brest, le 10 décembre 2014</a:t>
-            </a:r>
-            <a:endParaRPr lang="fr-FR" dirty="0"/>
-          </a:p>
-        </p:txBody>
-      </p:sp>
-      <p:sp>
-        <p:nvSpPr>
-          <p:cNvPr id="4" name="Espace réservé du pied de page 3"/>
-          <p:cNvSpPr>
-            <a:spLocks noGrp="1"/>
-          </p:cNvSpPr>
-          <p:nvPr>
-            <p:ph type="ftr" sz="quarter" idx="11"/>
-          </p:nvPr>
-        </p:nvSpPr>
-        <p:spPr/>
-        <p:txBody>
-          <a:bodyPr/>
-          <a:lstStyle/>
-          <a:p>
-            <a:r>
-              <a:rPr lang="fr-FR" smtClean="0"/>
-              <a:t>f0larvor@enib.fr, v0bodere@enib.fr, t2riou@enib.fr</a:t>
-            </a:r>
-            <a:endParaRPr lang="fr-FR" dirty="0"/>
-          </a:p>
-        </p:txBody>
-      </p:sp>
-      <p:sp>
-        <p:nvSpPr>
-          <p:cNvPr id="5" name="Espace réservé du numéro de diapositive 4"/>
-          <p:cNvSpPr>
-            <a:spLocks noGrp="1"/>
-          </p:cNvSpPr>
-          <p:nvPr>
-            <p:ph type="sldNum" sz="quarter" idx="12"/>
-          </p:nvPr>
-        </p:nvSpPr>
-        <p:spPr/>
-        <p:txBody>
-          <a:bodyPr/>
-          <a:lstStyle/>
-          <a:p>
-            <a:fld id="{E68024BB-FA0E-4BF2-8AAC-263A34C92FE0}" type="slidenum">
-              <a:rPr lang="fr-FR" smtClean="0"/>
-              <a:pPr/>
-              <a:t>9</a:t>
-            </a:fld>
-            <a:endParaRPr lang="fr-FR" dirty="0"/>
-          </a:p>
-        </p:txBody>
-      </p:sp>
-      <p:sp>
-        <p:nvSpPr>
-          <p:cNvPr id="6" name="Titre 5"/>
-          <p:cNvSpPr>
-            <a:spLocks noGrp="1"/>
-          </p:cNvSpPr>
-          <p:nvPr>
-            <p:ph type="title"/>
-          </p:nvPr>
-        </p:nvSpPr>
-        <p:spPr/>
-        <p:txBody>
-          <a:bodyPr/>
-          <a:lstStyle/>
-          <a:p>
-            <a:r>
-              <a:rPr lang="fr-FR" dirty="0" smtClean="0"/>
-              <a:t>Conclusion</a:t>
-            </a:r>
-            <a:endParaRPr lang="fr-FR" dirty="0"/>
-          </a:p>
-        </p:txBody>
-      </p:sp>
-      <p:sp>
-        <p:nvSpPr>
-          <p:cNvPr id="7" name="Espace réservé du texte 6"/>
-          <p:cNvSpPr>
-            <a:spLocks noGrp="1"/>
-          </p:cNvSpPr>
-          <p:nvPr>
-            <p:ph type="body" sz="quarter" idx="14"/>
-          </p:nvPr>
-        </p:nvSpPr>
-        <p:spPr/>
-        <p:txBody>
-          <a:bodyPr/>
-          <a:lstStyle/>
-          <a:p>
-            <a:r>
-              <a:rPr lang="fr-FR" dirty="0" smtClean="0"/>
-              <a:t>3 releases : 2 tutoriels et 2 applications</a:t>
-            </a:r>
-          </a:p>
-          <a:p>
-            <a:endParaRPr lang="fr-FR" dirty="0" smtClean="0"/>
-          </a:p>
-          <a:p>
-            <a:r>
-              <a:rPr lang="fr-FR" dirty="0" smtClean="0"/>
-              <a:t>Bonne organisation grâce à la méthodologie Scrum</a:t>
-            </a:r>
-          </a:p>
-          <a:p>
-            <a:endParaRPr lang="fr-FR" dirty="0" smtClean="0"/>
-          </a:p>
-          <a:p>
-            <a:r>
-              <a:rPr lang="fr-FR" dirty="0" smtClean="0"/>
-              <a:t>Charge de travail inférieur à la durée initial du projet</a:t>
-            </a:r>
-          </a:p>
-          <a:p>
-            <a:endParaRPr lang="fr-FR" dirty="0" smtClean="0"/>
-          </a:p>
-          <a:p>
-            <a:endParaRPr lang="fr-FR" dirty="0"/>
+      <p:pic>
+        <p:nvPicPr>
+          <p:cNvPr id="15" name="Image 14" descr="PixelSense_Sprint2_Daily3_Burndown_Larvor.jpg"/>
+          <p:cNvPicPr>
+            <a:picLocks noChangeAspect="1"/>
+          </p:cNvPicPr>
+          <p:nvPr/>
+        </p:nvPicPr>
+        <p:blipFill>
+          <a:blip r:embed="rId3" cstate="print"/>
+          <a:srcRect l="17105" t="8772" r="22368" b="26315"/>
+          <a:stretch>
+            <a:fillRect/>
+          </a:stretch>
+        </p:blipFill>
+        <p:spPr>
+          <a:xfrm>
+            <a:off x="5000628" y="3429000"/>
+            <a:ext cx="3286148" cy="2643206"/>
+          </a:xfrm>
+          <a:prstGeom prst="rect">
+            <a:avLst/>
+          </a:prstGeom>
+          <a:ln>
+            <a:noFill/>
+          </a:ln>
+          <a:effectLst>
+            <a:outerShdw blurRad="292100" dist="139700" dir="2700000" algn="tl" rotWithShape="0">
+              <a:srgbClr val="333333">
+                <a:alpha val="65000"/>
+              </a:srgbClr>
+            </a:outerShdw>
+          </a:effectLst>
+        </p:spPr>
+      </p:pic>
+      <p:pic>
+        <p:nvPicPr>
+          <p:cNvPr id="16" name="Image 15" descr="PixelSense_Sprint1_End_Kanban_Riou.jpg"/>
+          <p:cNvPicPr>
+            <a:picLocks noChangeAspect="1"/>
+          </p:cNvPicPr>
+          <p:nvPr/>
+        </p:nvPicPr>
+        <p:blipFill>
+          <a:blip r:embed="rId4" cstate="print"/>
+          <a:srcRect t="2083" r="6249" b="50000"/>
+          <a:stretch>
+            <a:fillRect/>
+          </a:stretch>
+        </p:blipFill>
+        <p:spPr>
+          <a:xfrm>
+            <a:off x="642910" y="1428736"/>
+            <a:ext cx="3857652" cy="1478767"/>
+          </a:xfrm>
+          <a:prstGeom prst="rect">
+            <a:avLst/>
+          </a:prstGeom>
+          <a:ln>
+            <a:noFill/>
+          </a:ln>
+          <a:effectLst>
+            <a:outerShdw blurRad="292100" dist="139700" dir="2700000" algn="tl" rotWithShape="0">
+              <a:srgbClr val="333333">
+                <a:alpha val="65000"/>
+              </a:srgbClr>
+            </a:outerShdw>
+          </a:effectLst>
+        </p:spPr>
+      </p:pic>
+      <p:pic>
+        <p:nvPicPr>
+          <p:cNvPr id="17" name="Image 16" descr="PixelSense_Sprint2_End_Kanban_Larvor.jpg"/>
+          <p:cNvPicPr>
+            <a:picLocks noChangeAspect="1"/>
+          </p:cNvPicPr>
+          <p:nvPr/>
+        </p:nvPicPr>
+        <p:blipFill>
+          <a:blip r:embed="rId5" cstate="print"/>
+          <a:srcRect l="1887" t="15095" r="7546" b="42138"/>
+          <a:stretch>
+            <a:fillRect/>
+          </a:stretch>
+        </p:blipFill>
+        <p:spPr>
+          <a:xfrm>
+            <a:off x="4786314" y="1428736"/>
+            <a:ext cx="4034146" cy="1428760"/>
+          </a:xfrm>
+          <a:prstGeom prst="rect">
+            <a:avLst/>
+          </a:prstGeom>
+          <a:ln>
+            <a:noFill/>
+          </a:ln>
+          <a:effectLst>
+            <a:outerShdw blurRad="292100" dist="139700" dir="2700000" algn="tl" rotWithShape="0">
+              <a:srgbClr val="333333">
+                <a:alpha val="65000"/>
+              </a:srgbClr>
+            </a:outerShdw>
+          </a:effectLst>
+        </p:spPr>
+      </p:pic>
+      <p:sp>
+        <p:nvSpPr>
+          <p:cNvPr id="10" name="ZoneTexte 9"/>
+          <p:cNvSpPr txBox="1"/>
+          <p:nvPr/>
+        </p:nvSpPr>
+        <p:spPr>
+          <a:xfrm>
+            <a:off x="2000232" y="3000372"/>
+            <a:ext cx="2214578" cy="338554"/>
+          </a:xfrm>
+          <a:prstGeom prst="rect">
+            <a:avLst/>
+          </a:prstGeom>
+          <a:noFill/>
+        </p:spPr>
+        <p:txBody>
+          <a:bodyPr wrap="square" rtlCol="0">
+            <a:spAutoFit/>
+          </a:bodyPr>
+          <a:lstStyle/>
+          <a:p>
+            <a:r>
+              <a:rPr lang="fr-FR" sz="1600" dirty="0" smtClean="0">
+                <a:latin typeface="Segoe" pitchFamily="34" charset="0"/>
+                <a:cs typeface="Segoe" pitchFamily="34" charset="0"/>
+              </a:rPr>
+              <a:t>Sprint 1</a:t>
+            </a:r>
+            <a:endParaRPr lang="fr-FR" sz="1600" dirty="0">
+              <a:latin typeface="Segoe" pitchFamily="34" charset="0"/>
+              <a:cs typeface="Segoe" pitchFamily="34" charset="0"/>
+            </a:endParaRPr>
+          </a:p>
+        </p:txBody>
+      </p:sp>
+      <p:sp>
+        <p:nvSpPr>
+          <p:cNvPr id="11" name="ZoneTexte 10"/>
+          <p:cNvSpPr txBox="1"/>
+          <p:nvPr/>
+        </p:nvSpPr>
+        <p:spPr>
+          <a:xfrm>
+            <a:off x="6215074" y="3000372"/>
+            <a:ext cx="2214578" cy="338554"/>
+          </a:xfrm>
+          <a:prstGeom prst="rect">
+            <a:avLst/>
+          </a:prstGeom>
+          <a:noFill/>
+        </p:spPr>
+        <p:txBody>
+          <a:bodyPr wrap="square" rtlCol="0">
+            <a:spAutoFit/>
+          </a:bodyPr>
+          <a:lstStyle/>
+          <a:p>
+            <a:r>
+              <a:rPr lang="fr-FR" sz="1600" dirty="0" smtClean="0">
+                <a:latin typeface="Segoe" pitchFamily="34" charset="0"/>
+                <a:cs typeface="Segoe" pitchFamily="34" charset="0"/>
+              </a:rPr>
+              <a:t>Sprint 2</a:t>
+            </a:r>
           </a:p>
         </p:txBody>
       </p:sp>
